--- a/20210811-何羽鑫 -Model_Fine-grained_Entity_Type_with_Box_Embedding.pptx
+++ b/20210811-何羽鑫 -Model_Fine-grained_Entity_Type_with_Box_Embedding.pptx
@@ -5,7 +5,7 @@
     <p:sldMasterId id="2147483648" r:id="rId1"/>
   </p:sldMasterIdLst>
   <p:notesMasterIdLst>
-    <p:notesMasterId r:id="rId10"/>
+    <p:notesMasterId r:id="rId14"/>
   </p:notesMasterIdLst>
   <p:sldIdLst>
     <p:sldId id="256" r:id="rId2"/>
@@ -16,6 +16,10 @@
     <p:sldId id="448" r:id="rId7"/>
     <p:sldId id="427" r:id="rId8"/>
     <p:sldId id="443" r:id="rId9"/>
+    <p:sldId id="449" r:id="rId10"/>
+    <p:sldId id="450" r:id="rId11"/>
+    <p:sldId id="451" r:id="rId12"/>
+    <p:sldId id="452" r:id="rId13"/>
   </p:sldIdLst>
   <p:sldSz cx="12192000" cy="6858000"/>
   <p:notesSz cx="6858000" cy="9144000"/>
@@ -204,7 +208,7 @@
           <a:p>
             <a:fld id="{54138CA0-D2C8-4CBD-A352-0534456D3CCF}" type="datetimeFigureOut">
               <a:rPr lang="zh-CN" altLang="en-US" smtClean="0"/>
-              <a:t>2021/8/13</a:t>
+              <a:t>2021/8/14</a:t>
             </a:fld>
             <a:endParaRPr lang="zh-CN" altLang="en-US"/>
           </a:p>
@@ -618,7 +622,7 @@
           <a:p>
             <a:fld id="{F6A35C42-AD79-47EE-A839-0FD92B9C5B13}" type="datetimeFigureOut">
               <a:rPr lang="zh-CN" altLang="en-US" smtClean="0"/>
-              <a:t>2021/8/13</a:t>
+              <a:t>2021/8/14</a:t>
             </a:fld>
             <a:endParaRPr lang="zh-CN" altLang="en-US"/>
           </a:p>
@@ -816,7 +820,7 @@
           <a:p>
             <a:fld id="{F6A35C42-AD79-47EE-A839-0FD92B9C5B13}" type="datetimeFigureOut">
               <a:rPr lang="zh-CN" altLang="en-US" smtClean="0"/>
-              <a:t>2021/8/13</a:t>
+              <a:t>2021/8/14</a:t>
             </a:fld>
             <a:endParaRPr lang="zh-CN" altLang="en-US"/>
           </a:p>
@@ -1024,7 +1028,7 @@
           <a:p>
             <a:fld id="{F6A35C42-AD79-47EE-A839-0FD92B9C5B13}" type="datetimeFigureOut">
               <a:rPr lang="zh-CN" altLang="en-US" smtClean="0"/>
-              <a:t>2021/8/13</a:t>
+              <a:t>2021/8/14</a:t>
             </a:fld>
             <a:endParaRPr lang="zh-CN" altLang="en-US"/>
           </a:p>
@@ -1222,7 +1226,7 @@
           <a:p>
             <a:fld id="{F6A35C42-AD79-47EE-A839-0FD92B9C5B13}" type="datetimeFigureOut">
               <a:rPr lang="zh-CN" altLang="en-US" smtClean="0"/>
-              <a:t>2021/8/13</a:t>
+              <a:t>2021/8/14</a:t>
             </a:fld>
             <a:endParaRPr lang="zh-CN" altLang="en-US"/>
           </a:p>
@@ -1497,7 +1501,7 @@
           <a:p>
             <a:fld id="{F6A35C42-AD79-47EE-A839-0FD92B9C5B13}" type="datetimeFigureOut">
               <a:rPr lang="zh-CN" altLang="en-US" smtClean="0"/>
-              <a:t>2021/8/13</a:t>
+              <a:t>2021/8/14</a:t>
             </a:fld>
             <a:endParaRPr lang="zh-CN" altLang="en-US"/>
           </a:p>
@@ -1762,7 +1766,7 @@
           <a:p>
             <a:fld id="{F6A35C42-AD79-47EE-A839-0FD92B9C5B13}" type="datetimeFigureOut">
               <a:rPr lang="zh-CN" altLang="en-US" smtClean="0"/>
-              <a:t>2021/8/13</a:t>
+              <a:t>2021/8/14</a:t>
             </a:fld>
             <a:endParaRPr lang="zh-CN" altLang="en-US"/>
           </a:p>
@@ -2174,7 +2178,7 @@
           <a:p>
             <a:fld id="{F6A35C42-AD79-47EE-A839-0FD92B9C5B13}" type="datetimeFigureOut">
               <a:rPr lang="zh-CN" altLang="en-US" smtClean="0"/>
-              <a:t>2021/8/13</a:t>
+              <a:t>2021/8/14</a:t>
             </a:fld>
             <a:endParaRPr lang="zh-CN" altLang="en-US"/>
           </a:p>
@@ -2315,7 +2319,7 @@
           <a:p>
             <a:fld id="{F6A35C42-AD79-47EE-A839-0FD92B9C5B13}" type="datetimeFigureOut">
               <a:rPr lang="zh-CN" altLang="en-US" smtClean="0"/>
-              <a:t>2021/8/13</a:t>
+              <a:t>2021/8/14</a:t>
             </a:fld>
             <a:endParaRPr lang="zh-CN" altLang="en-US"/>
           </a:p>
@@ -2428,7 +2432,7 @@
           <a:p>
             <a:fld id="{F6A35C42-AD79-47EE-A839-0FD92B9C5B13}" type="datetimeFigureOut">
               <a:rPr lang="zh-CN" altLang="en-US" smtClean="0"/>
-              <a:t>2021/8/13</a:t>
+              <a:t>2021/8/14</a:t>
             </a:fld>
             <a:endParaRPr lang="zh-CN" altLang="en-US"/>
           </a:p>
@@ -2739,7 +2743,7 @@
           <a:p>
             <a:fld id="{F6A35C42-AD79-47EE-A839-0FD92B9C5B13}" type="datetimeFigureOut">
               <a:rPr lang="zh-CN" altLang="en-US" smtClean="0"/>
-              <a:t>2021/8/13</a:t>
+              <a:t>2021/8/14</a:t>
             </a:fld>
             <a:endParaRPr lang="zh-CN" altLang="en-US"/>
           </a:p>
@@ -3027,7 +3031,7 @@
           <a:p>
             <a:fld id="{F6A35C42-AD79-47EE-A839-0FD92B9C5B13}" type="datetimeFigureOut">
               <a:rPr lang="zh-CN" altLang="en-US" smtClean="0"/>
-              <a:t>2021/8/13</a:t>
+              <a:t>2021/8/14</a:t>
             </a:fld>
             <a:endParaRPr lang="zh-CN" altLang="en-US"/>
           </a:p>
@@ -3268,7 +3272,7 @@
           <a:p>
             <a:fld id="{F6A35C42-AD79-47EE-A839-0FD92B9C5B13}" type="datetimeFigureOut">
               <a:rPr lang="zh-CN" altLang="en-US" smtClean="0"/>
-              <a:t>2021/8/13</a:t>
+              <a:t>2021/8/14</a:t>
             </a:fld>
             <a:endParaRPr lang="zh-CN" altLang="en-US"/>
           </a:p>
@@ -4908,6 +4912,1771 @@
 </p:sld>
 </file>
 
+<file path=ppt/slides/slide10.xml><?xml version="1.0" encoding="utf-8"?>
+<p:sld xmlns:a="http://schemas.openxmlformats.org/drawingml/2006/main" xmlns:r="http://schemas.openxmlformats.org/officeDocument/2006/relationships" xmlns:p="http://schemas.openxmlformats.org/presentationml/2006/main">
+  <p:cSld>
+    <p:spTree>
+      <p:nvGrpSpPr>
+        <p:cNvPr id="1" name=""/>
+        <p:cNvGrpSpPr/>
+        <p:nvPr/>
+      </p:nvGrpSpPr>
+      <p:grpSpPr>
+        <a:xfrm>
+          <a:off x="0" y="0"/>
+          <a:ext cx="0" cy="0"/>
+          <a:chOff x="0" y="0"/>
+          <a:chExt cx="0" cy="0"/>
+        </a:xfrm>
+      </p:grpSpPr>
+      <p:sp>
+        <p:nvSpPr>
+          <p:cNvPr id="5" name="矩形 5">
+            <a:extLst>
+              <a:ext uri="{FF2B5EF4-FFF2-40B4-BE49-F238E27FC236}">
+                <a16:creationId xmlns:a16="http://schemas.microsoft.com/office/drawing/2014/main" id="{850F23D1-2757-4497-976B-88014D030436}"/>
+              </a:ext>
+            </a:extLst>
+          </p:cNvPr>
+          <p:cNvSpPr/>
+          <p:nvPr/>
+        </p:nvSpPr>
+        <p:spPr>
+          <a:xfrm rot="10800000">
+            <a:off x="120650" y="94615"/>
+            <a:ext cx="288925" cy="709295"/>
+          </a:xfrm>
+          <a:prstGeom prst="rect">
+            <a:avLst/>
+          </a:prstGeom>
+          <a:solidFill>
+            <a:srgbClr val="005825"/>
+          </a:solidFill>
+          <a:ln w="12700">
+            <a:noFill/>
+          </a:ln>
+        </p:spPr>
+        <p:txBody>
+          <a:bodyPr anchor="ctr"/>
+          <a:lstStyle>
+            <a:lvl1pPr marL="171450" indent="-171450" algn="l" defTabSz="685800" rtl="0" eaLnBrk="0" fontAlgn="base" hangingPunct="0">
+              <a:lnSpc>
+                <a:spcPct val="90000"/>
+              </a:lnSpc>
+              <a:spcBef>
+                <a:spcPts val="750"/>
+              </a:spcBef>
+              <a:spcAft>
+                <a:spcPct val="0"/>
+              </a:spcAft>
+              <a:buFont typeface="Arial" panose="020B0604020202020204" pitchFamily="34" charset="0"/>
+              <a:buChar char="•"/>
+              <a:defRPr sz="2100">
+                <a:solidFill>
+                  <a:schemeClr val="tx1"/>
+                </a:solidFill>
+                <a:latin typeface="+mn-lt"/>
+                <a:ea typeface="+mn-ea"/>
+                <a:cs typeface="+mn-cs"/>
+                <a:sym typeface="Calibri" panose="020F0502020204030204" charset="0"/>
+              </a:defRPr>
+            </a:lvl1pPr>
+            <a:lvl2pPr marL="514350" indent="-171450" algn="l" defTabSz="685800" rtl="0" eaLnBrk="0" fontAlgn="base" hangingPunct="0">
+              <a:lnSpc>
+                <a:spcPct val="90000"/>
+              </a:lnSpc>
+              <a:spcBef>
+                <a:spcPts val="375"/>
+              </a:spcBef>
+              <a:spcAft>
+                <a:spcPct val="0"/>
+              </a:spcAft>
+              <a:buFont typeface="Arial" panose="020B0604020202020204" pitchFamily="34" charset="0"/>
+              <a:buChar char="•"/>
+              <a:defRPr sz="2800">
+                <a:solidFill>
+                  <a:schemeClr val="tx1"/>
+                </a:solidFill>
+                <a:latin typeface="+mn-lt"/>
+                <a:ea typeface="+mn-ea"/>
+                <a:sym typeface="Calibri" panose="020F0502020204030204" charset="0"/>
+              </a:defRPr>
+            </a:lvl2pPr>
+            <a:lvl3pPr marL="857250" indent="-171450" algn="l" defTabSz="685800" rtl="0" eaLnBrk="0" fontAlgn="base" hangingPunct="0">
+              <a:lnSpc>
+                <a:spcPct val="90000"/>
+              </a:lnSpc>
+              <a:spcBef>
+                <a:spcPts val="375"/>
+              </a:spcBef>
+              <a:spcAft>
+                <a:spcPct val="0"/>
+              </a:spcAft>
+              <a:buFont typeface="Arial" panose="020B0604020202020204" pitchFamily="34" charset="0"/>
+              <a:buChar char="•"/>
+              <a:defRPr sz="1500">
+                <a:solidFill>
+                  <a:schemeClr val="tx1"/>
+                </a:solidFill>
+                <a:latin typeface="+mn-lt"/>
+                <a:ea typeface="+mn-ea"/>
+                <a:sym typeface="Calibri" panose="020F0502020204030204" charset="0"/>
+              </a:defRPr>
+            </a:lvl3pPr>
+            <a:lvl4pPr marL="1200150" indent="-171450" algn="l" defTabSz="685800" rtl="0" eaLnBrk="0" fontAlgn="base" hangingPunct="0">
+              <a:lnSpc>
+                <a:spcPct val="90000"/>
+              </a:lnSpc>
+              <a:spcBef>
+                <a:spcPts val="375"/>
+              </a:spcBef>
+              <a:spcAft>
+                <a:spcPct val="0"/>
+              </a:spcAft>
+              <a:buFont typeface="Arial" panose="020B0604020202020204" pitchFamily="34" charset="0"/>
+              <a:buChar char="•"/>
+              <a:defRPr sz="1300">
+                <a:solidFill>
+                  <a:schemeClr val="tx1"/>
+                </a:solidFill>
+                <a:latin typeface="+mn-lt"/>
+                <a:ea typeface="+mn-ea"/>
+                <a:sym typeface="Calibri" panose="020F0502020204030204" charset="0"/>
+              </a:defRPr>
+            </a:lvl4pPr>
+            <a:lvl5pPr marL="1543050" indent="-171450" algn="l" defTabSz="685800" rtl="0" eaLnBrk="0" fontAlgn="base" hangingPunct="0">
+              <a:lnSpc>
+                <a:spcPct val="90000"/>
+              </a:lnSpc>
+              <a:spcBef>
+                <a:spcPts val="375"/>
+              </a:spcBef>
+              <a:spcAft>
+                <a:spcPct val="0"/>
+              </a:spcAft>
+              <a:buFont typeface="Arial" panose="020B0604020202020204" pitchFamily="34" charset="0"/>
+              <a:buChar char="•"/>
+              <a:defRPr sz="1300">
+                <a:solidFill>
+                  <a:schemeClr val="tx1"/>
+                </a:solidFill>
+                <a:latin typeface="+mn-lt"/>
+                <a:ea typeface="+mn-ea"/>
+                <a:sym typeface="Calibri" panose="020F0502020204030204" charset="0"/>
+              </a:defRPr>
+            </a:lvl5pPr>
+          </a:lstStyle>
+          <a:p>
+            <a:pPr marL="0" lvl="0" indent="0" algn="ctr" defTabSz="914400" eaLnBrk="1" hangingPunct="1">
+              <a:lnSpc>
+                <a:spcPct val="100000"/>
+              </a:lnSpc>
+              <a:spcBef>
+                <a:spcPct val="0"/>
+              </a:spcBef>
+              <a:buNone/>
+            </a:pPr>
+            <a:endParaRPr lang="zh-CN" altLang="zh-CN" sz="1800" dirty="0">
+              <a:solidFill>
+                <a:srgbClr val="FFFFFF"/>
+              </a:solidFill>
+              <a:latin typeface="仿宋" panose="02010609060101010101" pitchFamily="49" charset="-122"/>
+              <a:ea typeface="仿宋" panose="02010609060101010101" pitchFamily="49" charset="-122"/>
+            </a:endParaRPr>
+          </a:p>
+        </p:txBody>
+      </p:sp>
+      <p:sp>
+        <p:nvSpPr>
+          <p:cNvPr id="10" name="矩形 1">
+            <a:extLst>
+              <a:ext uri="{FF2B5EF4-FFF2-40B4-BE49-F238E27FC236}">
+                <a16:creationId xmlns:a16="http://schemas.microsoft.com/office/drawing/2014/main" id="{A059F2D0-83B6-40D9-8387-4F447FD4FA59}"/>
+              </a:ext>
+            </a:extLst>
+          </p:cNvPr>
+          <p:cNvSpPr/>
+          <p:nvPr/>
+        </p:nvSpPr>
+        <p:spPr>
+          <a:xfrm>
+            <a:off x="509270" y="157480"/>
+            <a:ext cx="1826141" cy="584775"/>
+          </a:xfrm>
+          <a:prstGeom prst="rect">
+            <a:avLst/>
+          </a:prstGeom>
+          <a:noFill/>
+          <a:ln w="9525">
+            <a:noFill/>
+          </a:ln>
+        </p:spPr>
+        <p:txBody>
+          <a:bodyPr wrap="none">
+            <a:spAutoFit/>
+          </a:bodyPr>
+          <a:lstStyle>
+            <a:lvl1pPr marL="171450" indent="-171450" algn="l" defTabSz="685800" rtl="0" eaLnBrk="0" fontAlgn="base" hangingPunct="0">
+              <a:lnSpc>
+                <a:spcPct val="90000"/>
+              </a:lnSpc>
+              <a:spcBef>
+                <a:spcPts val="750"/>
+              </a:spcBef>
+              <a:spcAft>
+                <a:spcPct val="0"/>
+              </a:spcAft>
+              <a:buFont typeface="Arial" panose="020B0604020202020204" pitchFamily="34" charset="0"/>
+              <a:buChar char="•"/>
+              <a:defRPr sz="2100">
+                <a:solidFill>
+                  <a:schemeClr val="tx1"/>
+                </a:solidFill>
+                <a:latin typeface="+mn-lt"/>
+                <a:ea typeface="+mn-ea"/>
+                <a:cs typeface="+mn-cs"/>
+                <a:sym typeface="Calibri" panose="020F0502020204030204" charset="0"/>
+              </a:defRPr>
+            </a:lvl1pPr>
+            <a:lvl2pPr marL="514350" indent="-171450" algn="l" defTabSz="685800" rtl="0" eaLnBrk="0" fontAlgn="base" hangingPunct="0">
+              <a:lnSpc>
+                <a:spcPct val="90000"/>
+              </a:lnSpc>
+              <a:spcBef>
+                <a:spcPts val="375"/>
+              </a:spcBef>
+              <a:spcAft>
+                <a:spcPct val="0"/>
+              </a:spcAft>
+              <a:buFont typeface="Arial" panose="020B0604020202020204" pitchFamily="34" charset="0"/>
+              <a:buChar char="•"/>
+              <a:defRPr sz="2800">
+                <a:solidFill>
+                  <a:schemeClr val="tx1"/>
+                </a:solidFill>
+                <a:latin typeface="+mn-lt"/>
+                <a:ea typeface="+mn-ea"/>
+                <a:sym typeface="Calibri" panose="020F0502020204030204" charset="0"/>
+              </a:defRPr>
+            </a:lvl2pPr>
+            <a:lvl3pPr marL="857250" indent="-171450" algn="l" defTabSz="685800" rtl="0" eaLnBrk="0" fontAlgn="base" hangingPunct="0">
+              <a:lnSpc>
+                <a:spcPct val="90000"/>
+              </a:lnSpc>
+              <a:spcBef>
+                <a:spcPts val="375"/>
+              </a:spcBef>
+              <a:spcAft>
+                <a:spcPct val="0"/>
+              </a:spcAft>
+              <a:buFont typeface="Arial" panose="020B0604020202020204" pitchFamily="34" charset="0"/>
+              <a:buChar char="•"/>
+              <a:defRPr sz="1500">
+                <a:solidFill>
+                  <a:schemeClr val="tx1"/>
+                </a:solidFill>
+                <a:latin typeface="+mn-lt"/>
+                <a:ea typeface="+mn-ea"/>
+                <a:sym typeface="Calibri" panose="020F0502020204030204" charset="0"/>
+              </a:defRPr>
+            </a:lvl3pPr>
+            <a:lvl4pPr marL="1200150" indent="-171450" algn="l" defTabSz="685800" rtl="0" eaLnBrk="0" fontAlgn="base" hangingPunct="0">
+              <a:lnSpc>
+                <a:spcPct val="90000"/>
+              </a:lnSpc>
+              <a:spcBef>
+                <a:spcPts val="375"/>
+              </a:spcBef>
+              <a:spcAft>
+                <a:spcPct val="0"/>
+              </a:spcAft>
+              <a:buFont typeface="Arial" panose="020B0604020202020204" pitchFamily="34" charset="0"/>
+              <a:buChar char="•"/>
+              <a:defRPr sz="1300">
+                <a:solidFill>
+                  <a:schemeClr val="tx1"/>
+                </a:solidFill>
+                <a:latin typeface="+mn-lt"/>
+                <a:ea typeface="+mn-ea"/>
+                <a:sym typeface="Calibri" panose="020F0502020204030204" charset="0"/>
+              </a:defRPr>
+            </a:lvl4pPr>
+            <a:lvl5pPr marL="1543050" indent="-171450" algn="l" defTabSz="685800" rtl="0" eaLnBrk="0" fontAlgn="base" hangingPunct="0">
+              <a:lnSpc>
+                <a:spcPct val="90000"/>
+              </a:lnSpc>
+              <a:spcBef>
+                <a:spcPts val="375"/>
+              </a:spcBef>
+              <a:spcAft>
+                <a:spcPct val="0"/>
+              </a:spcAft>
+              <a:buFont typeface="Arial" panose="020B0604020202020204" pitchFamily="34" charset="0"/>
+              <a:buChar char="•"/>
+              <a:defRPr sz="1300">
+                <a:solidFill>
+                  <a:schemeClr val="tx1"/>
+                </a:solidFill>
+                <a:latin typeface="+mn-lt"/>
+                <a:ea typeface="+mn-ea"/>
+                <a:sym typeface="Calibri" panose="020F0502020204030204" charset="0"/>
+              </a:defRPr>
+            </a:lvl5pPr>
+          </a:lstStyle>
+          <a:p>
+            <a:pPr marL="0" lvl="0" indent="0" defTabSz="914400" eaLnBrk="1" hangingPunct="1">
+              <a:lnSpc>
+                <a:spcPct val="100000"/>
+              </a:lnSpc>
+              <a:spcBef>
+                <a:spcPct val="0"/>
+              </a:spcBef>
+              <a:buNone/>
+            </a:pPr>
+            <a:r>
+              <a:rPr lang="zh-CN" altLang="en-US" sz="3200" dirty="0">
+                <a:solidFill>
+                  <a:schemeClr val="tx1"/>
+                </a:solidFill>
+                <a:latin typeface="华文楷体" panose="02010600040101010101" pitchFamily="2" charset="-122"/>
+                <a:ea typeface="华文楷体" panose="02010600040101010101" pitchFamily="2" charset="-122"/>
+                <a:sym typeface="宋体" panose="02010600030101010101" pitchFamily="2" charset="-122"/>
+              </a:rPr>
+              <a:t>实验结果</a:t>
+            </a:r>
+            <a:endParaRPr lang="en-US" altLang="zh-CN" sz="3200" dirty="0">
+              <a:solidFill>
+                <a:schemeClr val="tx1"/>
+              </a:solidFill>
+              <a:latin typeface="华文楷体" panose="02010600040101010101" pitchFamily="2" charset="-122"/>
+              <a:ea typeface="华文楷体" panose="02010600040101010101" pitchFamily="2" charset="-122"/>
+              <a:sym typeface="宋体" panose="02010600030101010101" pitchFamily="2" charset="-122"/>
+            </a:endParaRPr>
+          </a:p>
+        </p:txBody>
+      </p:sp>
+      <p:sp>
+        <p:nvSpPr>
+          <p:cNvPr id="15" name="灯片编号占位符 4">
+            <a:extLst>
+              <a:ext uri="{FF2B5EF4-FFF2-40B4-BE49-F238E27FC236}">
+                <a16:creationId xmlns:a16="http://schemas.microsoft.com/office/drawing/2014/main" id="{5FCB248D-9455-4BA1-B742-84535FE45C90}"/>
+              </a:ext>
+            </a:extLst>
+          </p:cNvPr>
+          <p:cNvSpPr txBox="1">
+            <a:spLocks/>
+          </p:cNvSpPr>
+          <p:nvPr/>
+        </p:nvSpPr>
+        <p:spPr>
+          <a:xfrm>
+            <a:off x="9448800" y="6491357"/>
+            <a:ext cx="2743200" cy="365125"/>
+          </a:xfrm>
+          <a:prstGeom prst="rect">
+            <a:avLst/>
+          </a:prstGeom>
+        </p:spPr>
+        <p:txBody>
+          <a:bodyPr anchor="ctr"/>
+          <a:lstStyle>
+            <a:defPPr>
+              <a:defRPr lang="zh-CN"/>
+            </a:defPPr>
+            <a:lvl1pPr marL="0" algn="l" defTabSz="914400" rtl="0" eaLnBrk="1" latinLnBrk="0" hangingPunct="1">
+              <a:defRPr sz="1800" kern="1200">
+                <a:solidFill>
+                  <a:schemeClr val="tx1"/>
+                </a:solidFill>
+                <a:latin typeface="+mn-lt"/>
+                <a:ea typeface="+mn-ea"/>
+                <a:cs typeface="+mn-cs"/>
+              </a:defRPr>
+            </a:lvl1pPr>
+            <a:lvl2pPr marL="457200" algn="l" defTabSz="914400" rtl="0" eaLnBrk="1" latinLnBrk="0" hangingPunct="1">
+              <a:defRPr sz="1800" kern="1200">
+                <a:solidFill>
+                  <a:schemeClr val="tx1"/>
+                </a:solidFill>
+                <a:latin typeface="+mn-lt"/>
+                <a:ea typeface="+mn-ea"/>
+                <a:cs typeface="+mn-cs"/>
+              </a:defRPr>
+            </a:lvl2pPr>
+            <a:lvl3pPr marL="914400" algn="l" defTabSz="914400" rtl="0" eaLnBrk="1" latinLnBrk="0" hangingPunct="1">
+              <a:defRPr sz="1800" kern="1200">
+                <a:solidFill>
+                  <a:schemeClr val="tx1"/>
+                </a:solidFill>
+                <a:latin typeface="+mn-lt"/>
+                <a:ea typeface="+mn-ea"/>
+                <a:cs typeface="+mn-cs"/>
+              </a:defRPr>
+            </a:lvl3pPr>
+            <a:lvl4pPr marL="1371600" algn="l" defTabSz="914400" rtl="0" eaLnBrk="1" latinLnBrk="0" hangingPunct="1">
+              <a:defRPr sz="1800" kern="1200">
+                <a:solidFill>
+                  <a:schemeClr val="tx1"/>
+                </a:solidFill>
+                <a:latin typeface="+mn-lt"/>
+                <a:ea typeface="+mn-ea"/>
+                <a:cs typeface="+mn-cs"/>
+              </a:defRPr>
+            </a:lvl4pPr>
+            <a:lvl5pPr marL="1828800" algn="l" defTabSz="914400" rtl="0" eaLnBrk="1" latinLnBrk="0" hangingPunct="1">
+              <a:defRPr sz="1800" kern="1200">
+                <a:solidFill>
+                  <a:schemeClr val="tx1"/>
+                </a:solidFill>
+                <a:latin typeface="+mn-lt"/>
+                <a:ea typeface="+mn-ea"/>
+                <a:cs typeface="+mn-cs"/>
+              </a:defRPr>
+            </a:lvl5pPr>
+            <a:lvl6pPr marL="2286000" algn="l" defTabSz="914400" rtl="0" eaLnBrk="1" latinLnBrk="0" hangingPunct="1">
+              <a:defRPr sz="1800" kern="1200">
+                <a:solidFill>
+                  <a:schemeClr val="tx1"/>
+                </a:solidFill>
+                <a:latin typeface="+mn-lt"/>
+                <a:ea typeface="+mn-ea"/>
+                <a:cs typeface="+mn-cs"/>
+              </a:defRPr>
+            </a:lvl6pPr>
+            <a:lvl7pPr marL="2743200" algn="l" defTabSz="914400" rtl="0" eaLnBrk="1" latinLnBrk="0" hangingPunct="1">
+              <a:defRPr sz="1800" kern="1200">
+                <a:solidFill>
+                  <a:schemeClr val="tx1"/>
+                </a:solidFill>
+                <a:latin typeface="+mn-lt"/>
+                <a:ea typeface="+mn-ea"/>
+                <a:cs typeface="+mn-cs"/>
+              </a:defRPr>
+            </a:lvl7pPr>
+            <a:lvl8pPr marL="3200400" algn="l" defTabSz="914400" rtl="0" eaLnBrk="1" latinLnBrk="0" hangingPunct="1">
+              <a:defRPr sz="1800" kern="1200">
+                <a:solidFill>
+                  <a:schemeClr val="tx1"/>
+                </a:solidFill>
+                <a:latin typeface="+mn-lt"/>
+                <a:ea typeface="+mn-ea"/>
+                <a:cs typeface="+mn-cs"/>
+              </a:defRPr>
+            </a:lvl8pPr>
+            <a:lvl9pPr marL="3657600" algn="l" defTabSz="914400" rtl="0" eaLnBrk="1" latinLnBrk="0" hangingPunct="1">
+              <a:defRPr sz="1800" kern="1200">
+                <a:solidFill>
+                  <a:schemeClr val="tx1"/>
+                </a:solidFill>
+                <a:latin typeface="+mn-lt"/>
+                <a:ea typeface="+mn-ea"/>
+                <a:cs typeface="+mn-cs"/>
+              </a:defRPr>
+            </a:lvl9pPr>
+          </a:lstStyle>
+          <a:p>
+            <a:pPr algn="r">
+              <a:spcBef>
+                <a:spcPct val="0"/>
+              </a:spcBef>
+              <a:buFont typeface="Arial" panose="020B0604020202020204" pitchFamily="34" charset="0"/>
+              <a:buNone/>
+            </a:pPr>
+            <a:fld id="{9A0DB2DC-4C9A-4742-B13C-FB6460FD3503}" type="slidenum">
+              <a:rPr lang="zh-CN" altLang="en-US" sz="1200" smtClean="0">
+                <a:solidFill>
+                  <a:srgbClr val="898989"/>
+                </a:solidFill>
+                <a:latin typeface="Arial Black" panose="020B0A04020102020204" charset="0"/>
+                <a:cs typeface="Arial Black" panose="020B0A04020102020204" charset="0"/>
+                <a:sym typeface="Calibri" panose="020F0502020204030204" charset="0"/>
+              </a:rPr>
+              <a:pPr algn="r">
+                <a:spcBef>
+                  <a:spcPct val="0"/>
+                </a:spcBef>
+                <a:buFont typeface="Arial" panose="020B0604020202020204" pitchFamily="34" charset="0"/>
+                <a:buNone/>
+              </a:pPr>
+              <a:t>10</a:t>
+            </a:fld>
+            <a:endParaRPr lang="zh-CN" altLang="en-US" sz="1200" dirty="0">
+              <a:solidFill>
+                <a:srgbClr val="898989"/>
+              </a:solidFill>
+              <a:latin typeface="Arial Black" panose="020B0A04020102020204" charset="0"/>
+              <a:cs typeface="Arial Black" panose="020B0A04020102020204" charset="0"/>
+              <a:sym typeface="Calibri" panose="020F0502020204030204" charset="0"/>
+            </a:endParaRPr>
+          </a:p>
+        </p:txBody>
+      </p:sp>
+      <p:sp>
+        <p:nvSpPr>
+          <p:cNvPr id="9" name="文本框 8">
+            <a:extLst>
+              <a:ext uri="{FF2B5EF4-FFF2-40B4-BE49-F238E27FC236}">
+                <a16:creationId xmlns:a16="http://schemas.microsoft.com/office/drawing/2014/main" id="{259C1485-0639-4AFC-9D44-2B3F847682DE}"/>
+              </a:ext>
+            </a:extLst>
+          </p:cNvPr>
+          <p:cNvSpPr txBox="1"/>
+          <p:nvPr/>
+        </p:nvSpPr>
+        <p:spPr>
+          <a:xfrm>
+            <a:off x="653587" y="1063053"/>
+            <a:ext cx="4657885" cy="507127"/>
+          </a:xfrm>
+          <a:prstGeom prst="rect">
+            <a:avLst/>
+          </a:prstGeom>
+          <a:noFill/>
+        </p:spPr>
+        <p:txBody>
+          <a:bodyPr wrap="square">
+            <a:spAutoFit/>
+          </a:bodyPr>
+          <a:lstStyle/>
+          <a:p>
+            <a:pPr>
+              <a:lnSpc>
+                <a:spcPct val="150000"/>
+              </a:lnSpc>
+              <a:spcAft>
+                <a:spcPts val="1200"/>
+              </a:spcAft>
+            </a:pPr>
+            <a:r>
+              <a:rPr lang="zh-CN" altLang="en-US" sz="2000" dirty="0"/>
+              <a:t>模型对于噪声的鲁棒性</a:t>
+            </a:r>
+            <a:endParaRPr lang="en-US" altLang="zh-CN" sz="2000" dirty="0"/>
+          </a:p>
+        </p:txBody>
+      </p:sp>
+      <p:pic>
+        <p:nvPicPr>
+          <p:cNvPr id="2" name="图片 1">
+            <a:extLst>
+              <a:ext uri="{FF2B5EF4-FFF2-40B4-BE49-F238E27FC236}">
+                <a16:creationId xmlns:a16="http://schemas.microsoft.com/office/drawing/2014/main" id="{873AECE4-6DED-4E20-BDF1-F119D157D714}"/>
+              </a:ext>
+            </a:extLst>
+          </p:cNvPr>
+          <p:cNvPicPr>
+            <a:picLocks noChangeAspect="1"/>
+          </p:cNvPicPr>
+          <p:nvPr/>
+        </p:nvPicPr>
+        <p:blipFill>
+          <a:blip r:embed="rId2"/>
+          <a:stretch>
+            <a:fillRect/>
+          </a:stretch>
+        </p:blipFill>
+        <p:spPr>
+          <a:xfrm>
+            <a:off x="3243262" y="1960074"/>
+            <a:ext cx="5705475" cy="3609975"/>
+          </a:xfrm>
+          <a:prstGeom prst="rect">
+            <a:avLst/>
+          </a:prstGeom>
+        </p:spPr>
+      </p:pic>
+    </p:spTree>
+    <p:extLst>
+      <p:ext uri="{BB962C8B-B14F-4D97-AF65-F5344CB8AC3E}">
+        <p14:creationId xmlns:p14="http://schemas.microsoft.com/office/powerpoint/2010/main" val="2341195506"/>
+      </p:ext>
+    </p:extLst>
+  </p:cSld>
+  <p:clrMapOvr>
+    <a:masterClrMapping/>
+  </p:clrMapOvr>
+</p:sld>
+</file>
+
+<file path=ppt/slides/slide11.xml><?xml version="1.0" encoding="utf-8"?>
+<p:sld xmlns:a="http://schemas.openxmlformats.org/drawingml/2006/main" xmlns:r="http://schemas.openxmlformats.org/officeDocument/2006/relationships" xmlns:p="http://schemas.openxmlformats.org/presentationml/2006/main">
+  <p:cSld>
+    <p:spTree>
+      <p:nvGrpSpPr>
+        <p:cNvPr id="1" name=""/>
+        <p:cNvGrpSpPr/>
+        <p:nvPr/>
+      </p:nvGrpSpPr>
+      <p:grpSpPr>
+        <a:xfrm>
+          <a:off x="0" y="0"/>
+          <a:ext cx="0" cy="0"/>
+          <a:chOff x="0" y="0"/>
+          <a:chExt cx="0" cy="0"/>
+        </a:xfrm>
+      </p:grpSpPr>
+      <p:sp>
+        <p:nvSpPr>
+          <p:cNvPr id="5" name="矩形 5">
+            <a:extLst>
+              <a:ext uri="{FF2B5EF4-FFF2-40B4-BE49-F238E27FC236}">
+                <a16:creationId xmlns:a16="http://schemas.microsoft.com/office/drawing/2014/main" id="{850F23D1-2757-4497-976B-88014D030436}"/>
+              </a:ext>
+            </a:extLst>
+          </p:cNvPr>
+          <p:cNvSpPr/>
+          <p:nvPr/>
+        </p:nvSpPr>
+        <p:spPr>
+          <a:xfrm rot="10800000">
+            <a:off x="120650" y="94615"/>
+            <a:ext cx="288925" cy="709295"/>
+          </a:xfrm>
+          <a:prstGeom prst="rect">
+            <a:avLst/>
+          </a:prstGeom>
+          <a:solidFill>
+            <a:srgbClr val="005825"/>
+          </a:solidFill>
+          <a:ln w="12700">
+            <a:noFill/>
+          </a:ln>
+        </p:spPr>
+        <p:txBody>
+          <a:bodyPr anchor="ctr"/>
+          <a:lstStyle>
+            <a:lvl1pPr marL="171450" indent="-171450" algn="l" defTabSz="685800" rtl="0" eaLnBrk="0" fontAlgn="base" hangingPunct="0">
+              <a:lnSpc>
+                <a:spcPct val="90000"/>
+              </a:lnSpc>
+              <a:spcBef>
+                <a:spcPts val="750"/>
+              </a:spcBef>
+              <a:spcAft>
+                <a:spcPct val="0"/>
+              </a:spcAft>
+              <a:buFont typeface="Arial" panose="020B0604020202020204" pitchFamily="34" charset="0"/>
+              <a:buChar char="•"/>
+              <a:defRPr sz="2100">
+                <a:solidFill>
+                  <a:schemeClr val="tx1"/>
+                </a:solidFill>
+                <a:latin typeface="+mn-lt"/>
+                <a:ea typeface="+mn-ea"/>
+                <a:cs typeface="+mn-cs"/>
+                <a:sym typeface="Calibri" panose="020F0502020204030204" charset="0"/>
+              </a:defRPr>
+            </a:lvl1pPr>
+            <a:lvl2pPr marL="514350" indent="-171450" algn="l" defTabSz="685800" rtl="0" eaLnBrk="0" fontAlgn="base" hangingPunct="0">
+              <a:lnSpc>
+                <a:spcPct val="90000"/>
+              </a:lnSpc>
+              <a:spcBef>
+                <a:spcPts val="375"/>
+              </a:spcBef>
+              <a:spcAft>
+                <a:spcPct val="0"/>
+              </a:spcAft>
+              <a:buFont typeface="Arial" panose="020B0604020202020204" pitchFamily="34" charset="0"/>
+              <a:buChar char="•"/>
+              <a:defRPr sz="2800">
+                <a:solidFill>
+                  <a:schemeClr val="tx1"/>
+                </a:solidFill>
+                <a:latin typeface="+mn-lt"/>
+                <a:ea typeface="+mn-ea"/>
+                <a:sym typeface="Calibri" panose="020F0502020204030204" charset="0"/>
+              </a:defRPr>
+            </a:lvl2pPr>
+            <a:lvl3pPr marL="857250" indent="-171450" algn="l" defTabSz="685800" rtl="0" eaLnBrk="0" fontAlgn="base" hangingPunct="0">
+              <a:lnSpc>
+                <a:spcPct val="90000"/>
+              </a:lnSpc>
+              <a:spcBef>
+                <a:spcPts val="375"/>
+              </a:spcBef>
+              <a:spcAft>
+                <a:spcPct val="0"/>
+              </a:spcAft>
+              <a:buFont typeface="Arial" panose="020B0604020202020204" pitchFamily="34" charset="0"/>
+              <a:buChar char="•"/>
+              <a:defRPr sz="1500">
+                <a:solidFill>
+                  <a:schemeClr val="tx1"/>
+                </a:solidFill>
+                <a:latin typeface="+mn-lt"/>
+                <a:ea typeface="+mn-ea"/>
+                <a:sym typeface="Calibri" panose="020F0502020204030204" charset="0"/>
+              </a:defRPr>
+            </a:lvl3pPr>
+            <a:lvl4pPr marL="1200150" indent="-171450" algn="l" defTabSz="685800" rtl="0" eaLnBrk="0" fontAlgn="base" hangingPunct="0">
+              <a:lnSpc>
+                <a:spcPct val="90000"/>
+              </a:lnSpc>
+              <a:spcBef>
+                <a:spcPts val="375"/>
+              </a:spcBef>
+              <a:spcAft>
+                <a:spcPct val="0"/>
+              </a:spcAft>
+              <a:buFont typeface="Arial" panose="020B0604020202020204" pitchFamily="34" charset="0"/>
+              <a:buChar char="•"/>
+              <a:defRPr sz="1300">
+                <a:solidFill>
+                  <a:schemeClr val="tx1"/>
+                </a:solidFill>
+                <a:latin typeface="+mn-lt"/>
+                <a:ea typeface="+mn-ea"/>
+                <a:sym typeface="Calibri" panose="020F0502020204030204" charset="0"/>
+              </a:defRPr>
+            </a:lvl4pPr>
+            <a:lvl5pPr marL="1543050" indent="-171450" algn="l" defTabSz="685800" rtl="0" eaLnBrk="0" fontAlgn="base" hangingPunct="0">
+              <a:lnSpc>
+                <a:spcPct val="90000"/>
+              </a:lnSpc>
+              <a:spcBef>
+                <a:spcPts val="375"/>
+              </a:spcBef>
+              <a:spcAft>
+                <a:spcPct val="0"/>
+              </a:spcAft>
+              <a:buFont typeface="Arial" panose="020B0604020202020204" pitchFamily="34" charset="0"/>
+              <a:buChar char="•"/>
+              <a:defRPr sz="1300">
+                <a:solidFill>
+                  <a:schemeClr val="tx1"/>
+                </a:solidFill>
+                <a:latin typeface="+mn-lt"/>
+                <a:ea typeface="+mn-ea"/>
+                <a:sym typeface="Calibri" panose="020F0502020204030204" charset="0"/>
+              </a:defRPr>
+            </a:lvl5pPr>
+          </a:lstStyle>
+          <a:p>
+            <a:pPr marL="0" lvl="0" indent="0" algn="ctr" defTabSz="914400" eaLnBrk="1" hangingPunct="1">
+              <a:lnSpc>
+                <a:spcPct val="100000"/>
+              </a:lnSpc>
+              <a:spcBef>
+                <a:spcPct val="0"/>
+              </a:spcBef>
+              <a:buNone/>
+            </a:pPr>
+            <a:endParaRPr lang="zh-CN" altLang="zh-CN" sz="1800" dirty="0">
+              <a:solidFill>
+                <a:srgbClr val="FFFFFF"/>
+              </a:solidFill>
+              <a:latin typeface="仿宋" panose="02010609060101010101" pitchFamily="49" charset="-122"/>
+              <a:ea typeface="仿宋" panose="02010609060101010101" pitchFamily="49" charset="-122"/>
+            </a:endParaRPr>
+          </a:p>
+        </p:txBody>
+      </p:sp>
+      <p:sp>
+        <p:nvSpPr>
+          <p:cNvPr id="10" name="矩形 1">
+            <a:extLst>
+              <a:ext uri="{FF2B5EF4-FFF2-40B4-BE49-F238E27FC236}">
+                <a16:creationId xmlns:a16="http://schemas.microsoft.com/office/drawing/2014/main" id="{A059F2D0-83B6-40D9-8387-4F447FD4FA59}"/>
+              </a:ext>
+            </a:extLst>
+          </p:cNvPr>
+          <p:cNvSpPr/>
+          <p:nvPr/>
+        </p:nvSpPr>
+        <p:spPr>
+          <a:xfrm>
+            <a:off x="509270" y="157480"/>
+            <a:ext cx="1826141" cy="584775"/>
+          </a:xfrm>
+          <a:prstGeom prst="rect">
+            <a:avLst/>
+          </a:prstGeom>
+          <a:noFill/>
+          <a:ln w="9525">
+            <a:noFill/>
+          </a:ln>
+        </p:spPr>
+        <p:txBody>
+          <a:bodyPr wrap="none">
+            <a:spAutoFit/>
+          </a:bodyPr>
+          <a:lstStyle>
+            <a:lvl1pPr marL="171450" indent="-171450" algn="l" defTabSz="685800" rtl="0" eaLnBrk="0" fontAlgn="base" hangingPunct="0">
+              <a:lnSpc>
+                <a:spcPct val="90000"/>
+              </a:lnSpc>
+              <a:spcBef>
+                <a:spcPts val="750"/>
+              </a:spcBef>
+              <a:spcAft>
+                <a:spcPct val="0"/>
+              </a:spcAft>
+              <a:buFont typeface="Arial" panose="020B0604020202020204" pitchFamily="34" charset="0"/>
+              <a:buChar char="•"/>
+              <a:defRPr sz="2100">
+                <a:solidFill>
+                  <a:schemeClr val="tx1"/>
+                </a:solidFill>
+                <a:latin typeface="+mn-lt"/>
+                <a:ea typeface="+mn-ea"/>
+                <a:cs typeface="+mn-cs"/>
+                <a:sym typeface="Calibri" panose="020F0502020204030204" charset="0"/>
+              </a:defRPr>
+            </a:lvl1pPr>
+            <a:lvl2pPr marL="514350" indent="-171450" algn="l" defTabSz="685800" rtl="0" eaLnBrk="0" fontAlgn="base" hangingPunct="0">
+              <a:lnSpc>
+                <a:spcPct val="90000"/>
+              </a:lnSpc>
+              <a:spcBef>
+                <a:spcPts val="375"/>
+              </a:spcBef>
+              <a:spcAft>
+                <a:spcPct val="0"/>
+              </a:spcAft>
+              <a:buFont typeface="Arial" panose="020B0604020202020204" pitchFamily="34" charset="0"/>
+              <a:buChar char="•"/>
+              <a:defRPr sz="2800">
+                <a:solidFill>
+                  <a:schemeClr val="tx1"/>
+                </a:solidFill>
+                <a:latin typeface="+mn-lt"/>
+                <a:ea typeface="+mn-ea"/>
+                <a:sym typeface="Calibri" panose="020F0502020204030204" charset="0"/>
+              </a:defRPr>
+            </a:lvl2pPr>
+            <a:lvl3pPr marL="857250" indent="-171450" algn="l" defTabSz="685800" rtl="0" eaLnBrk="0" fontAlgn="base" hangingPunct="0">
+              <a:lnSpc>
+                <a:spcPct val="90000"/>
+              </a:lnSpc>
+              <a:spcBef>
+                <a:spcPts val="375"/>
+              </a:spcBef>
+              <a:spcAft>
+                <a:spcPct val="0"/>
+              </a:spcAft>
+              <a:buFont typeface="Arial" panose="020B0604020202020204" pitchFamily="34" charset="0"/>
+              <a:buChar char="•"/>
+              <a:defRPr sz="1500">
+                <a:solidFill>
+                  <a:schemeClr val="tx1"/>
+                </a:solidFill>
+                <a:latin typeface="+mn-lt"/>
+                <a:ea typeface="+mn-ea"/>
+                <a:sym typeface="Calibri" panose="020F0502020204030204" charset="0"/>
+              </a:defRPr>
+            </a:lvl3pPr>
+            <a:lvl4pPr marL="1200150" indent="-171450" algn="l" defTabSz="685800" rtl="0" eaLnBrk="0" fontAlgn="base" hangingPunct="0">
+              <a:lnSpc>
+                <a:spcPct val="90000"/>
+              </a:lnSpc>
+              <a:spcBef>
+                <a:spcPts val="375"/>
+              </a:spcBef>
+              <a:spcAft>
+                <a:spcPct val="0"/>
+              </a:spcAft>
+              <a:buFont typeface="Arial" panose="020B0604020202020204" pitchFamily="34" charset="0"/>
+              <a:buChar char="•"/>
+              <a:defRPr sz="1300">
+                <a:solidFill>
+                  <a:schemeClr val="tx1"/>
+                </a:solidFill>
+                <a:latin typeface="+mn-lt"/>
+                <a:ea typeface="+mn-ea"/>
+                <a:sym typeface="Calibri" panose="020F0502020204030204" charset="0"/>
+              </a:defRPr>
+            </a:lvl4pPr>
+            <a:lvl5pPr marL="1543050" indent="-171450" algn="l" defTabSz="685800" rtl="0" eaLnBrk="0" fontAlgn="base" hangingPunct="0">
+              <a:lnSpc>
+                <a:spcPct val="90000"/>
+              </a:lnSpc>
+              <a:spcBef>
+                <a:spcPts val="375"/>
+              </a:spcBef>
+              <a:spcAft>
+                <a:spcPct val="0"/>
+              </a:spcAft>
+              <a:buFont typeface="Arial" panose="020B0604020202020204" pitchFamily="34" charset="0"/>
+              <a:buChar char="•"/>
+              <a:defRPr sz="1300">
+                <a:solidFill>
+                  <a:schemeClr val="tx1"/>
+                </a:solidFill>
+                <a:latin typeface="+mn-lt"/>
+                <a:ea typeface="+mn-ea"/>
+                <a:sym typeface="Calibri" panose="020F0502020204030204" charset="0"/>
+              </a:defRPr>
+            </a:lvl5pPr>
+          </a:lstStyle>
+          <a:p>
+            <a:pPr marL="0" lvl="0" indent="0" defTabSz="914400" eaLnBrk="1" hangingPunct="1">
+              <a:lnSpc>
+                <a:spcPct val="100000"/>
+              </a:lnSpc>
+              <a:spcBef>
+                <a:spcPct val="0"/>
+              </a:spcBef>
+              <a:buNone/>
+            </a:pPr>
+            <a:r>
+              <a:rPr lang="zh-CN" altLang="en-US" sz="3200" dirty="0">
+                <a:solidFill>
+                  <a:schemeClr val="tx1"/>
+                </a:solidFill>
+                <a:latin typeface="华文楷体" panose="02010600040101010101" pitchFamily="2" charset="-122"/>
+                <a:ea typeface="华文楷体" panose="02010600040101010101" pitchFamily="2" charset="-122"/>
+                <a:sym typeface="宋体" panose="02010600030101010101" pitchFamily="2" charset="-122"/>
+              </a:rPr>
+              <a:t>实验结果</a:t>
+            </a:r>
+            <a:endParaRPr lang="en-US" altLang="zh-CN" sz="3200" dirty="0">
+              <a:solidFill>
+                <a:schemeClr val="tx1"/>
+              </a:solidFill>
+              <a:latin typeface="华文楷体" panose="02010600040101010101" pitchFamily="2" charset="-122"/>
+              <a:ea typeface="华文楷体" panose="02010600040101010101" pitchFamily="2" charset="-122"/>
+              <a:sym typeface="宋体" panose="02010600030101010101" pitchFamily="2" charset="-122"/>
+            </a:endParaRPr>
+          </a:p>
+        </p:txBody>
+      </p:sp>
+      <p:sp>
+        <p:nvSpPr>
+          <p:cNvPr id="15" name="灯片编号占位符 4">
+            <a:extLst>
+              <a:ext uri="{FF2B5EF4-FFF2-40B4-BE49-F238E27FC236}">
+                <a16:creationId xmlns:a16="http://schemas.microsoft.com/office/drawing/2014/main" id="{5FCB248D-9455-4BA1-B742-84535FE45C90}"/>
+              </a:ext>
+            </a:extLst>
+          </p:cNvPr>
+          <p:cNvSpPr txBox="1">
+            <a:spLocks/>
+          </p:cNvSpPr>
+          <p:nvPr/>
+        </p:nvSpPr>
+        <p:spPr>
+          <a:xfrm>
+            <a:off x="9448800" y="6491357"/>
+            <a:ext cx="2743200" cy="365125"/>
+          </a:xfrm>
+          <a:prstGeom prst="rect">
+            <a:avLst/>
+          </a:prstGeom>
+        </p:spPr>
+        <p:txBody>
+          <a:bodyPr anchor="ctr"/>
+          <a:lstStyle>
+            <a:defPPr>
+              <a:defRPr lang="zh-CN"/>
+            </a:defPPr>
+            <a:lvl1pPr marL="0" algn="l" defTabSz="914400" rtl="0" eaLnBrk="1" latinLnBrk="0" hangingPunct="1">
+              <a:defRPr sz="1800" kern="1200">
+                <a:solidFill>
+                  <a:schemeClr val="tx1"/>
+                </a:solidFill>
+                <a:latin typeface="+mn-lt"/>
+                <a:ea typeface="+mn-ea"/>
+                <a:cs typeface="+mn-cs"/>
+              </a:defRPr>
+            </a:lvl1pPr>
+            <a:lvl2pPr marL="457200" algn="l" defTabSz="914400" rtl="0" eaLnBrk="1" latinLnBrk="0" hangingPunct="1">
+              <a:defRPr sz="1800" kern="1200">
+                <a:solidFill>
+                  <a:schemeClr val="tx1"/>
+                </a:solidFill>
+                <a:latin typeface="+mn-lt"/>
+                <a:ea typeface="+mn-ea"/>
+                <a:cs typeface="+mn-cs"/>
+              </a:defRPr>
+            </a:lvl2pPr>
+            <a:lvl3pPr marL="914400" algn="l" defTabSz="914400" rtl="0" eaLnBrk="1" latinLnBrk="0" hangingPunct="1">
+              <a:defRPr sz="1800" kern="1200">
+                <a:solidFill>
+                  <a:schemeClr val="tx1"/>
+                </a:solidFill>
+                <a:latin typeface="+mn-lt"/>
+                <a:ea typeface="+mn-ea"/>
+                <a:cs typeface="+mn-cs"/>
+              </a:defRPr>
+            </a:lvl3pPr>
+            <a:lvl4pPr marL="1371600" algn="l" defTabSz="914400" rtl="0" eaLnBrk="1" latinLnBrk="0" hangingPunct="1">
+              <a:defRPr sz="1800" kern="1200">
+                <a:solidFill>
+                  <a:schemeClr val="tx1"/>
+                </a:solidFill>
+                <a:latin typeface="+mn-lt"/>
+                <a:ea typeface="+mn-ea"/>
+                <a:cs typeface="+mn-cs"/>
+              </a:defRPr>
+            </a:lvl4pPr>
+            <a:lvl5pPr marL="1828800" algn="l" defTabSz="914400" rtl="0" eaLnBrk="1" latinLnBrk="0" hangingPunct="1">
+              <a:defRPr sz="1800" kern="1200">
+                <a:solidFill>
+                  <a:schemeClr val="tx1"/>
+                </a:solidFill>
+                <a:latin typeface="+mn-lt"/>
+                <a:ea typeface="+mn-ea"/>
+                <a:cs typeface="+mn-cs"/>
+              </a:defRPr>
+            </a:lvl5pPr>
+            <a:lvl6pPr marL="2286000" algn="l" defTabSz="914400" rtl="0" eaLnBrk="1" latinLnBrk="0" hangingPunct="1">
+              <a:defRPr sz="1800" kern="1200">
+                <a:solidFill>
+                  <a:schemeClr val="tx1"/>
+                </a:solidFill>
+                <a:latin typeface="+mn-lt"/>
+                <a:ea typeface="+mn-ea"/>
+                <a:cs typeface="+mn-cs"/>
+              </a:defRPr>
+            </a:lvl6pPr>
+            <a:lvl7pPr marL="2743200" algn="l" defTabSz="914400" rtl="0" eaLnBrk="1" latinLnBrk="0" hangingPunct="1">
+              <a:defRPr sz="1800" kern="1200">
+                <a:solidFill>
+                  <a:schemeClr val="tx1"/>
+                </a:solidFill>
+                <a:latin typeface="+mn-lt"/>
+                <a:ea typeface="+mn-ea"/>
+                <a:cs typeface="+mn-cs"/>
+              </a:defRPr>
+            </a:lvl7pPr>
+            <a:lvl8pPr marL="3200400" algn="l" defTabSz="914400" rtl="0" eaLnBrk="1" latinLnBrk="0" hangingPunct="1">
+              <a:defRPr sz="1800" kern="1200">
+                <a:solidFill>
+                  <a:schemeClr val="tx1"/>
+                </a:solidFill>
+                <a:latin typeface="+mn-lt"/>
+                <a:ea typeface="+mn-ea"/>
+                <a:cs typeface="+mn-cs"/>
+              </a:defRPr>
+            </a:lvl8pPr>
+            <a:lvl9pPr marL="3657600" algn="l" defTabSz="914400" rtl="0" eaLnBrk="1" latinLnBrk="0" hangingPunct="1">
+              <a:defRPr sz="1800" kern="1200">
+                <a:solidFill>
+                  <a:schemeClr val="tx1"/>
+                </a:solidFill>
+                <a:latin typeface="+mn-lt"/>
+                <a:ea typeface="+mn-ea"/>
+                <a:cs typeface="+mn-cs"/>
+              </a:defRPr>
+            </a:lvl9pPr>
+          </a:lstStyle>
+          <a:p>
+            <a:pPr algn="r">
+              <a:spcBef>
+                <a:spcPct val="0"/>
+              </a:spcBef>
+              <a:buFont typeface="Arial" panose="020B0604020202020204" pitchFamily="34" charset="0"/>
+              <a:buNone/>
+            </a:pPr>
+            <a:fld id="{9A0DB2DC-4C9A-4742-B13C-FB6460FD3503}" type="slidenum">
+              <a:rPr lang="zh-CN" altLang="en-US" sz="1200" smtClean="0">
+                <a:solidFill>
+                  <a:srgbClr val="898989"/>
+                </a:solidFill>
+                <a:latin typeface="Arial Black" panose="020B0A04020102020204" charset="0"/>
+                <a:cs typeface="Arial Black" panose="020B0A04020102020204" charset="0"/>
+                <a:sym typeface="Calibri" panose="020F0502020204030204" charset="0"/>
+              </a:rPr>
+              <a:pPr algn="r">
+                <a:spcBef>
+                  <a:spcPct val="0"/>
+                </a:spcBef>
+                <a:buFont typeface="Arial" panose="020B0604020202020204" pitchFamily="34" charset="0"/>
+                <a:buNone/>
+              </a:pPr>
+              <a:t>11</a:t>
+            </a:fld>
+            <a:endParaRPr lang="zh-CN" altLang="en-US" sz="1200" dirty="0">
+              <a:solidFill>
+                <a:srgbClr val="898989"/>
+              </a:solidFill>
+              <a:latin typeface="Arial Black" panose="020B0A04020102020204" charset="0"/>
+              <a:cs typeface="Arial Black" panose="020B0A04020102020204" charset="0"/>
+              <a:sym typeface="Calibri" panose="020F0502020204030204" charset="0"/>
+            </a:endParaRPr>
+          </a:p>
+        </p:txBody>
+      </p:sp>
+      <p:sp>
+        <p:nvSpPr>
+          <p:cNvPr id="9" name="文本框 8">
+            <a:extLst>
+              <a:ext uri="{FF2B5EF4-FFF2-40B4-BE49-F238E27FC236}">
+                <a16:creationId xmlns:a16="http://schemas.microsoft.com/office/drawing/2014/main" id="{259C1485-0639-4AFC-9D44-2B3F847682DE}"/>
+              </a:ext>
+            </a:extLst>
+          </p:cNvPr>
+          <p:cNvSpPr txBox="1"/>
+          <p:nvPr/>
+        </p:nvSpPr>
+        <p:spPr>
+          <a:xfrm>
+            <a:off x="653587" y="1063053"/>
+            <a:ext cx="4657885" cy="507127"/>
+          </a:xfrm>
+          <a:prstGeom prst="rect">
+            <a:avLst/>
+          </a:prstGeom>
+          <a:noFill/>
+        </p:spPr>
+        <p:txBody>
+          <a:bodyPr wrap="square">
+            <a:spAutoFit/>
+          </a:bodyPr>
+          <a:lstStyle/>
+          <a:p>
+            <a:pPr>
+              <a:lnSpc>
+                <a:spcPct val="150000"/>
+              </a:lnSpc>
+              <a:spcAft>
+                <a:spcPts val="1200"/>
+              </a:spcAft>
+            </a:pPr>
+            <a:r>
+              <a:rPr lang="zh-CN" altLang="en-US" sz="2000" dirty="0"/>
+              <a:t>模型对于噪声的鲁棒性</a:t>
+            </a:r>
+            <a:endParaRPr lang="en-US" altLang="zh-CN" sz="2000" dirty="0"/>
+          </a:p>
+        </p:txBody>
+      </p:sp>
+      <p:pic>
+        <p:nvPicPr>
+          <p:cNvPr id="2" name="图片 1">
+            <a:extLst>
+              <a:ext uri="{FF2B5EF4-FFF2-40B4-BE49-F238E27FC236}">
+                <a16:creationId xmlns:a16="http://schemas.microsoft.com/office/drawing/2014/main" id="{873AECE4-6DED-4E20-BDF1-F119D157D714}"/>
+              </a:ext>
+            </a:extLst>
+          </p:cNvPr>
+          <p:cNvPicPr>
+            <a:picLocks noChangeAspect="1"/>
+          </p:cNvPicPr>
+          <p:nvPr/>
+        </p:nvPicPr>
+        <p:blipFill>
+          <a:blip r:embed="rId2"/>
+          <a:stretch>
+            <a:fillRect/>
+          </a:stretch>
+        </p:blipFill>
+        <p:spPr>
+          <a:xfrm>
+            <a:off x="3243262" y="1960074"/>
+            <a:ext cx="5705475" cy="3609975"/>
+          </a:xfrm>
+          <a:prstGeom prst="rect">
+            <a:avLst/>
+          </a:prstGeom>
+        </p:spPr>
+      </p:pic>
+    </p:spTree>
+    <p:extLst>
+      <p:ext uri="{BB962C8B-B14F-4D97-AF65-F5344CB8AC3E}">
+        <p14:creationId xmlns:p14="http://schemas.microsoft.com/office/powerpoint/2010/main" val="3650195282"/>
+      </p:ext>
+    </p:extLst>
+  </p:cSld>
+  <p:clrMapOvr>
+    <a:masterClrMapping/>
+  </p:clrMapOvr>
+</p:sld>
+</file>
+
+<file path=ppt/slides/slide12.xml><?xml version="1.0" encoding="utf-8"?>
+<p:sld xmlns:a="http://schemas.openxmlformats.org/drawingml/2006/main" xmlns:r="http://schemas.openxmlformats.org/officeDocument/2006/relationships" xmlns:p="http://schemas.openxmlformats.org/presentationml/2006/main">
+  <p:cSld>
+    <p:spTree>
+      <p:nvGrpSpPr>
+        <p:cNvPr id="1" name=""/>
+        <p:cNvGrpSpPr/>
+        <p:nvPr/>
+      </p:nvGrpSpPr>
+      <p:grpSpPr>
+        <a:xfrm>
+          <a:off x="0" y="0"/>
+          <a:ext cx="0" cy="0"/>
+          <a:chOff x="0" y="0"/>
+          <a:chExt cx="0" cy="0"/>
+        </a:xfrm>
+      </p:grpSpPr>
+      <p:sp>
+        <p:nvSpPr>
+          <p:cNvPr id="5" name="矩形 5">
+            <a:extLst>
+              <a:ext uri="{FF2B5EF4-FFF2-40B4-BE49-F238E27FC236}">
+                <a16:creationId xmlns:a16="http://schemas.microsoft.com/office/drawing/2014/main" id="{850F23D1-2757-4497-976B-88014D030436}"/>
+              </a:ext>
+            </a:extLst>
+          </p:cNvPr>
+          <p:cNvSpPr/>
+          <p:nvPr/>
+        </p:nvSpPr>
+        <p:spPr>
+          <a:xfrm rot="10800000">
+            <a:off x="120650" y="94615"/>
+            <a:ext cx="288925" cy="709295"/>
+          </a:xfrm>
+          <a:prstGeom prst="rect">
+            <a:avLst/>
+          </a:prstGeom>
+          <a:solidFill>
+            <a:srgbClr val="005825"/>
+          </a:solidFill>
+          <a:ln w="12700">
+            <a:noFill/>
+          </a:ln>
+        </p:spPr>
+        <p:txBody>
+          <a:bodyPr anchor="ctr"/>
+          <a:lstStyle>
+            <a:lvl1pPr marL="171450" indent="-171450" algn="l" defTabSz="685800" rtl="0" eaLnBrk="0" fontAlgn="base" hangingPunct="0">
+              <a:lnSpc>
+                <a:spcPct val="90000"/>
+              </a:lnSpc>
+              <a:spcBef>
+                <a:spcPts val="750"/>
+              </a:spcBef>
+              <a:spcAft>
+                <a:spcPct val="0"/>
+              </a:spcAft>
+              <a:buFont typeface="Arial" panose="020B0604020202020204" pitchFamily="34" charset="0"/>
+              <a:buChar char="•"/>
+              <a:defRPr sz="2100">
+                <a:solidFill>
+                  <a:schemeClr val="tx1"/>
+                </a:solidFill>
+                <a:latin typeface="+mn-lt"/>
+                <a:ea typeface="+mn-ea"/>
+                <a:cs typeface="+mn-cs"/>
+                <a:sym typeface="Calibri" panose="020F0502020204030204" charset="0"/>
+              </a:defRPr>
+            </a:lvl1pPr>
+            <a:lvl2pPr marL="514350" indent="-171450" algn="l" defTabSz="685800" rtl="0" eaLnBrk="0" fontAlgn="base" hangingPunct="0">
+              <a:lnSpc>
+                <a:spcPct val="90000"/>
+              </a:lnSpc>
+              <a:spcBef>
+                <a:spcPts val="375"/>
+              </a:spcBef>
+              <a:spcAft>
+                <a:spcPct val="0"/>
+              </a:spcAft>
+              <a:buFont typeface="Arial" panose="020B0604020202020204" pitchFamily="34" charset="0"/>
+              <a:buChar char="•"/>
+              <a:defRPr sz="2800">
+                <a:solidFill>
+                  <a:schemeClr val="tx1"/>
+                </a:solidFill>
+                <a:latin typeface="+mn-lt"/>
+                <a:ea typeface="+mn-ea"/>
+                <a:sym typeface="Calibri" panose="020F0502020204030204" charset="0"/>
+              </a:defRPr>
+            </a:lvl2pPr>
+            <a:lvl3pPr marL="857250" indent="-171450" algn="l" defTabSz="685800" rtl="0" eaLnBrk="0" fontAlgn="base" hangingPunct="0">
+              <a:lnSpc>
+                <a:spcPct val="90000"/>
+              </a:lnSpc>
+              <a:spcBef>
+                <a:spcPts val="375"/>
+              </a:spcBef>
+              <a:spcAft>
+                <a:spcPct val="0"/>
+              </a:spcAft>
+              <a:buFont typeface="Arial" panose="020B0604020202020204" pitchFamily="34" charset="0"/>
+              <a:buChar char="•"/>
+              <a:defRPr sz="1500">
+                <a:solidFill>
+                  <a:schemeClr val="tx1"/>
+                </a:solidFill>
+                <a:latin typeface="+mn-lt"/>
+                <a:ea typeface="+mn-ea"/>
+                <a:sym typeface="Calibri" panose="020F0502020204030204" charset="0"/>
+              </a:defRPr>
+            </a:lvl3pPr>
+            <a:lvl4pPr marL="1200150" indent="-171450" algn="l" defTabSz="685800" rtl="0" eaLnBrk="0" fontAlgn="base" hangingPunct="0">
+              <a:lnSpc>
+                <a:spcPct val="90000"/>
+              </a:lnSpc>
+              <a:spcBef>
+                <a:spcPts val="375"/>
+              </a:spcBef>
+              <a:spcAft>
+                <a:spcPct val="0"/>
+              </a:spcAft>
+              <a:buFont typeface="Arial" panose="020B0604020202020204" pitchFamily="34" charset="0"/>
+              <a:buChar char="•"/>
+              <a:defRPr sz="1300">
+                <a:solidFill>
+                  <a:schemeClr val="tx1"/>
+                </a:solidFill>
+                <a:latin typeface="+mn-lt"/>
+                <a:ea typeface="+mn-ea"/>
+                <a:sym typeface="Calibri" panose="020F0502020204030204" charset="0"/>
+              </a:defRPr>
+            </a:lvl4pPr>
+            <a:lvl5pPr marL="1543050" indent="-171450" algn="l" defTabSz="685800" rtl="0" eaLnBrk="0" fontAlgn="base" hangingPunct="0">
+              <a:lnSpc>
+                <a:spcPct val="90000"/>
+              </a:lnSpc>
+              <a:spcBef>
+                <a:spcPts val="375"/>
+              </a:spcBef>
+              <a:spcAft>
+                <a:spcPct val="0"/>
+              </a:spcAft>
+              <a:buFont typeface="Arial" panose="020B0604020202020204" pitchFamily="34" charset="0"/>
+              <a:buChar char="•"/>
+              <a:defRPr sz="1300">
+                <a:solidFill>
+                  <a:schemeClr val="tx1"/>
+                </a:solidFill>
+                <a:latin typeface="+mn-lt"/>
+                <a:ea typeface="+mn-ea"/>
+                <a:sym typeface="Calibri" panose="020F0502020204030204" charset="0"/>
+              </a:defRPr>
+            </a:lvl5pPr>
+          </a:lstStyle>
+          <a:p>
+            <a:pPr marL="0" lvl="0" indent="0" algn="ctr" defTabSz="914400" eaLnBrk="1" hangingPunct="1">
+              <a:lnSpc>
+                <a:spcPct val="100000"/>
+              </a:lnSpc>
+              <a:spcBef>
+                <a:spcPct val="0"/>
+              </a:spcBef>
+              <a:buNone/>
+            </a:pPr>
+            <a:endParaRPr lang="zh-CN" altLang="zh-CN" sz="1800" dirty="0">
+              <a:solidFill>
+                <a:srgbClr val="FFFFFF"/>
+              </a:solidFill>
+              <a:latin typeface="仿宋" panose="02010609060101010101" pitchFamily="49" charset="-122"/>
+              <a:ea typeface="仿宋" panose="02010609060101010101" pitchFamily="49" charset="-122"/>
+            </a:endParaRPr>
+          </a:p>
+        </p:txBody>
+      </p:sp>
+      <p:sp>
+        <p:nvSpPr>
+          <p:cNvPr id="10" name="矩形 1">
+            <a:extLst>
+              <a:ext uri="{FF2B5EF4-FFF2-40B4-BE49-F238E27FC236}">
+                <a16:creationId xmlns:a16="http://schemas.microsoft.com/office/drawing/2014/main" id="{A059F2D0-83B6-40D9-8387-4F447FD4FA59}"/>
+              </a:ext>
+            </a:extLst>
+          </p:cNvPr>
+          <p:cNvSpPr/>
+          <p:nvPr/>
+        </p:nvSpPr>
+        <p:spPr>
+          <a:xfrm>
+            <a:off x="509270" y="157480"/>
+            <a:ext cx="1826141" cy="584775"/>
+          </a:xfrm>
+          <a:prstGeom prst="rect">
+            <a:avLst/>
+          </a:prstGeom>
+          <a:noFill/>
+          <a:ln w="9525">
+            <a:noFill/>
+          </a:ln>
+        </p:spPr>
+        <p:txBody>
+          <a:bodyPr wrap="none">
+            <a:spAutoFit/>
+          </a:bodyPr>
+          <a:lstStyle>
+            <a:lvl1pPr marL="171450" indent="-171450" algn="l" defTabSz="685800" rtl="0" eaLnBrk="0" fontAlgn="base" hangingPunct="0">
+              <a:lnSpc>
+                <a:spcPct val="90000"/>
+              </a:lnSpc>
+              <a:spcBef>
+                <a:spcPts val="750"/>
+              </a:spcBef>
+              <a:spcAft>
+                <a:spcPct val="0"/>
+              </a:spcAft>
+              <a:buFont typeface="Arial" panose="020B0604020202020204" pitchFamily="34" charset="0"/>
+              <a:buChar char="•"/>
+              <a:defRPr sz="2100">
+                <a:solidFill>
+                  <a:schemeClr val="tx1"/>
+                </a:solidFill>
+                <a:latin typeface="+mn-lt"/>
+                <a:ea typeface="+mn-ea"/>
+                <a:cs typeface="+mn-cs"/>
+                <a:sym typeface="Calibri" panose="020F0502020204030204" charset="0"/>
+              </a:defRPr>
+            </a:lvl1pPr>
+            <a:lvl2pPr marL="514350" indent="-171450" algn="l" defTabSz="685800" rtl="0" eaLnBrk="0" fontAlgn="base" hangingPunct="0">
+              <a:lnSpc>
+                <a:spcPct val="90000"/>
+              </a:lnSpc>
+              <a:spcBef>
+                <a:spcPts val="375"/>
+              </a:spcBef>
+              <a:spcAft>
+                <a:spcPct val="0"/>
+              </a:spcAft>
+              <a:buFont typeface="Arial" panose="020B0604020202020204" pitchFamily="34" charset="0"/>
+              <a:buChar char="•"/>
+              <a:defRPr sz="2800">
+                <a:solidFill>
+                  <a:schemeClr val="tx1"/>
+                </a:solidFill>
+                <a:latin typeface="+mn-lt"/>
+                <a:ea typeface="+mn-ea"/>
+                <a:sym typeface="Calibri" panose="020F0502020204030204" charset="0"/>
+              </a:defRPr>
+            </a:lvl2pPr>
+            <a:lvl3pPr marL="857250" indent="-171450" algn="l" defTabSz="685800" rtl="0" eaLnBrk="0" fontAlgn="base" hangingPunct="0">
+              <a:lnSpc>
+                <a:spcPct val="90000"/>
+              </a:lnSpc>
+              <a:spcBef>
+                <a:spcPts val="375"/>
+              </a:spcBef>
+              <a:spcAft>
+                <a:spcPct val="0"/>
+              </a:spcAft>
+              <a:buFont typeface="Arial" panose="020B0604020202020204" pitchFamily="34" charset="0"/>
+              <a:buChar char="•"/>
+              <a:defRPr sz="1500">
+                <a:solidFill>
+                  <a:schemeClr val="tx1"/>
+                </a:solidFill>
+                <a:latin typeface="+mn-lt"/>
+                <a:ea typeface="+mn-ea"/>
+                <a:sym typeface="Calibri" panose="020F0502020204030204" charset="0"/>
+              </a:defRPr>
+            </a:lvl3pPr>
+            <a:lvl4pPr marL="1200150" indent="-171450" algn="l" defTabSz="685800" rtl="0" eaLnBrk="0" fontAlgn="base" hangingPunct="0">
+              <a:lnSpc>
+                <a:spcPct val="90000"/>
+              </a:lnSpc>
+              <a:spcBef>
+                <a:spcPts val="375"/>
+              </a:spcBef>
+              <a:spcAft>
+                <a:spcPct val="0"/>
+              </a:spcAft>
+              <a:buFont typeface="Arial" panose="020B0604020202020204" pitchFamily="34" charset="0"/>
+              <a:buChar char="•"/>
+              <a:defRPr sz="1300">
+                <a:solidFill>
+                  <a:schemeClr val="tx1"/>
+                </a:solidFill>
+                <a:latin typeface="+mn-lt"/>
+                <a:ea typeface="+mn-ea"/>
+                <a:sym typeface="Calibri" panose="020F0502020204030204" charset="0"/>
+              </a:defRPr>
+            </a:lvl4pPr>
+            <a:lvl5pPr marL="1543050" indent="-171450" algn="l" defTabSz="685800" rtl="0" eaLnBrk="0" fontAlgn="base" hangingPunct="0">
+              <a:lnSpc>
+                <a:spcPct val="90000"/>
+              </a:lnSpc>
+              <a:spcBef>
+                <a:spcPts val="375"/>
+              </a:spcBef>
+              <a:spcAft>
+                <a:spcPct val="0"/>
+              </a:spcAft>
+              <a:buFont typeface="Arial" panose="020B0604020202020204" pitchFamily="34" charset="0"/>
+              <a:buChar char="•"/>
+              <a:defRPr sz="1300">
+                <a:solidFill>
+                  <a:schemeClr val="tx1"/>
+                </a:solidFill>
+                <a:latin typeface="+mn-lt"/>
+                <a:ea typeface="+mn-ea"/>
+                <a:sym typeface="Calibri" panose="020F0502020204030204" charset="0"/>
+              </a:defRPr>
+            </a:lvl5pPr>
+          </a:lstStyle>
+          <a:p>
+            <a:pPr marL="0" lvl="0" indent="0" defTabSz="914400" eaLnBrk="1" hangingPunct="1">
+              <a:lnSpc>
+                <a:spcPct val="100000"/>
+              </a:lnSpc>
+              <a:spcBef>
+                <a:spcPct val="0"/>
+              </a:spcBef>
+              <a:buNone/>
+            </a:pPr>
+            <a:r>
+              <a:rPr lang="zh-CN" altLang="en-US" sz="3200" dirty="0">
+                <a:solidFill>
+                  <a:schemeClr val="tx1"/>
+                </a:solidFill>
+                <a:latin typeface="华文楷体" panose="02010600040101010101" pitchFamily="2" charset="-122"/>
+                <a:ea typeface="华文楷体" panose="02010600040101010101" pitchFamily="2" charset="-122"/>
+                <a:sym typeface="宋体" panose="02010600030101010101" pitchFamily="2" charset="-122"/>
+              </a:rPr>
+              <a:t>实验结果</a:t>
+            </a:r>
+            <a:endParaRPr lang="en-US" altLang="zh-CN" sz="3200" dirty="0">
+              <a:solidFill>
+                <a:schemeClr val="tx1"/>
+              </a:solidFill>
+              <a:latin typeface="华文楷体" panose="02010600040101010101" pitchFamily="2" charset="-122"/>
+              <a:ea typeface="华文楷体" panose="02010600040101010101" pitchFamily="2" charset="-122"/>
+              <a:sym typeface="宋体" panose="02010600030101010101" pitchFamily="2" charset="-122"/>
+            </a:endParaRPr>
+          </a:p>
+        </p:txBody>
+      </p:sp>
+      <p:sp>
+        <p:nvSpPr>
+          <p:cNvPr id="15" name="灯片编号占位符 4">
+            <a:extLst>
+              <a:ext uri="{FF2B5EF4-FFF2-40B4-BE49-F238E27FC236}">
+                <a16:creationId xmlns:a16="http://schemas.microsoft.com/office/drawing/2014/main" id="{5FCB248D-9455-4BA1-B742-84535FE45C90}"/>
+              </a:ext>
+            </a:extLst>
+          </p:cNvPr>
+          <p:cNvSpPr txBox="1">
+            <a:spLocks/>
+          </p:cNvSpPr>
+          <p:nvPr/>
+        </p:nvSpPr>
+        <p:spPr>
+          <a:xfrm>
+            <a:off x="9448800" y="6491357"/>
+            <a:ext cx="2743200" cy="365125"/>
+          </a:xfrm>
+          <a:prstGeom prst="rect">
+            <a:avLst/>
+          </a:prstGeom>
+        </p:spPr>
+        <p:txBody>
+          <a:bodyPr anchor="ctr"/>
+          <a:lstStyle>
+            <a:defPPr>
+              <a:defRPr lang="zh-CN"/>
+            </a:defPPr>
+            <a:lvl1pPr marL="0" algn="l" defTabSz="914400" rtl="0" eaLnBrk="1" latinLnBrk="0" hangingPunct="1">
+              <a:defRPr sz="1800" kern="1200">
+                <a:solidFill>
+                  <a:schemeClr val="tx1"/>
+                </a:solidFill>
+                <a:latin typeface="+mn-lt"/>
+                <a:ea typeface="+mn-ea"/>
+                <a:cs typeface="+mn-cs"/>
+              </a:defRPr>
+            </a:lvl1pPr>
+            <a:lvl2pPr marL="457200" algn="l" defTabSz="914400" rtl="0" eaLnBrk="1" latinLnBrk="0" hangingPunct="1">
+              <a:defRPr sz="1800" kern="1200">
+                <a:solidFill>
+                  <a:schemeClr val="tx1"/>
+                </a:solidFill>
+                <a:latin typeface="+mn-lt"/>
+                <a:ea typeface="+mn-ea"/>
+                <a:cs typeface="+mn-cs"/>
+              </a:defRPr>
+            </a:lvl2pPr>
+            <a:lvl3pPr marL="914400" algn="l" defTabSz="914400" rtl="0" eaLnBrk="1" latinLnBrk="0" hangingPunct="1">
+              <a:defRPr sz="1800" kern="1200">
+                <a:solidFill>
+                  <a:schemeClr val="tx1"/>
+                </a:solidFill>
+                <a:latin typeface="+mn-lt"/>
+                <a:ea typeface="+mn-ea"/>
+                <a:cs typeface="+mn-cs"/>
+              </a:defRPr>
+            </a:lvl3pPr>
+            <a:lvl4pPr marL="1371600" algn="l" defTabSz="914400" rtl="0" eaLnBrk="1" latinLnBrk="0" hangingPunct="1">
+              <a:defRPr sz="1800" kern="1200">
+                <a:solidFill>
+                  <a:schemeClr val="tx1"/>
+                </a:solidFill>
+                <a:latin typeface="+mn-lt"/>
+                <a:ea typeface="+mn-ea"/>
+                <a:cs typeface="+mn-cs"/>
+              </a:defRPr>
+            </a:lvl4pPr>
+            <a:lvl5pPr marL="1828800" algn="l" defTabSz="914400" rtl="0" eaLnBrk="1" latinLnBrk="0" hangingPunct="1">
+              <a:defRPr sz="1800" kern="1200">
+                <a:solidFill>
+                  <a:schemeClr val="tx1"/>
+                </a:solidFill>
+                <a:latin typeface="+mn-lt"/>
+                <a:ea typeface="+mn-ea"/>
+                <a:cs typeface="+mn-cs"/>
+              </a:defRPr>
+            </a:lvl5pPr>
+            <a:lvl6pPr marL="2286000" algn="l" defTabSz="914400" rtl="0" eaLnBrk="1" latinLnBrk="0" hangingPunct="1">
+              <a:defRPr sz="1800" kern="1200">
+                <a:solidFill>
+                  <a:schemeClr val="tx1"/>
+                </a:solidFill>
+                <a:latin typeface="+mn-lt"/>
+                <a:ea typeface="+mn-ea"/>
+                <a:cs typeface="+mn-cs"/>
+              </a:defRPr>
+            </a:lvl6pPr>
+            <a:lvl7pPr marL="2743200" algn="l" defTabSz="914400" rtl="0" eaLnBrk="1" latinLnBrk="0" hangingPunct="1">
+              <a:defRPr sz="1800" kern="1200">
+                <a:solidFill>
+                  <a:schemeClr val="tx1"/>
+                </a:solidFill>
+                <a:latin typeface="+mn-lt"/>
+                <a:ea typeface="+mn-ea"/>
+                <a:cs typeface="+mn-cs"/>
+              </a:defRPr>
+            </a:lvl7pPr>
+            <a:lvl8pPr marL="3200400" algn="l" defTabSz="914400" rtl="0" eaLnBrk="1" latinLnBrk="0" hangingPunct="1">
+              <a:defRPr sz="1800" kern="1200">
+                <a:solidFill>
+                  <a:schemeClr val="tx1"/>
+                </a:solidFill>
+                <a:latin typeface="+mn-lt"/>
+                <a:ea typeface="+mn-ea"/>
+                <a:cs typeface="+mn-cs"/>
+              </a:defRPr>
+            </a:lvl8pPr>
+            <a:lvl9pPr marL="3657600" algn="l" defTabSz="914400" rtl="0" eaLnBrk="1" latinLnBrk="0" hangingPunct="1">
+              <a:defRPr sz="1800" kern="1200">
+                <a:solidFill>
+                  <a:schemeClr val="tx1"/>
+                </a:solidFill>
+                <a:latin typeface="+mn-lt"/>
+                <a:ea typeface="+mn-ea"/>
+                <a:cs typeface="+mn-cs"/>
+              </a:defRPr>
+            </a:lvl9pPr>
+          </a:lstStyle>
+          <a:p>
+            <a:pPr algn="r">
+              <a:spcBef>
+                <a:spcPct val="0"/>
+              </a:spcBef>
+              <a:buFont typeface="Arial" panose="020B0604020202020204" pitchFamily="34" charset="0"/>
+              <a:buNone/>
+            </a:pPr>
+            <a:fld id="{9A0DB2DC-4C9A-4742-B13C-FB6460FD3503}" type="slidenum">
+              <a:rPr lang="zh-CN" altLang="en-US" sz="1200" smtClean="0">
+                <a:solidFill>
+                  <a:srgbClr val="898989"/>
+                </a:solidFill>
+                <a:latin typeface="Arial Black" panose="020B0A04020102020204" charset="0"/>
+                <a:cs typeface="Arial Black" panose="020B0A04020102020204" charset="0"/>
+                <a:sym typeface="Calibri" panose="020F0502020204030204" charset="0"/>
+              </a:rPr>
+              <a:pPr algn="r">
+                <a:spcBef>
+                  <a:spcPct val="0"/>
+                </a:spcBef>
+                <a:buFont typeface="Arial" panose="020B0604020202020204" pitchFamily="34" charset="0"/>
+                <a:buNone/>
+              </a:pPr>
+              <a:t>12</a:t>
+            </a:fld>
+            <a:endParaRPr lang="zh-CN" altLang="en-US" sz="1200" dirty="0">
+              <a:solidFill>
+                <a:srgbClr val="898989"/>
+              </a:solidFill>
+              <a:latin typeface="Arial Black" panose="020B0A04020102020204" charset="0"/>
+              <a:cs typeface="Arial Black" panose="020B0A04020102020204" charset="0"/>
+              <a:sym typeface="Calibri" panose="020F0502020204030204" charset="0"/>
+            </a:endParaRPr>
+          </a:p>
+        </p:txBody>
+      </p:sp>
+      <p:sp>
+        <p:nvSpPr>
+          <p:cNvPr id="9" name="文本框 8">
+            <a:extLst>
+              <a:ext uri="{FF2B5EF4-FFF2-40B4-BE49-F238E27FC236}">
+                <a16:creationId xmlns:a16="http://schemas.microsoft.com/office/drawing/2014/main" id="{259C1485-0639-4AFC-9D44-2B3F847682DE}"/>
+              </a:ext>
+            </a:extLst>
+          </p:cNvPr>
+          <p:cNvSpPr txBox="1"/>
+          <p:nvPr/>
+        </p:nvSpPr>
+        <p:spPr>
+          <a:xfrm>
+            <a:off x="556163" y="742440"/>
+            <a:ext cx="4657885" cy="507127"/>
+          </a:xfrm>
+          <a:prstGeom prst="rect">
+            <a:avLst/>
+          </a:prstGeom>
+          <a:noFill/>
+        </p:spPr>
+        <p:txBody>
+          <a:bodyPr wrap="square">
+            <a:spAutoFit/>
+          </a:bodyPr>
+          <a:lstStyle/>
+          <a:p>
+            <a:pPr>
+              <a:lnSpc>
+                <a:spcPct val="150000"/>
+              </a:lnSpc>
+              <a:spcAft>
+                <a:spcPts val="1200"/>
+              </a:spcAft>
+            </a:pPr>
+            <a:r>
+              <a:rPr lang="en-US" altLang="zh-CN" sz="2000" dirty="0"/>
+              <a:t>Box Embeddings</a:t>
+            </a:r>
+            <a:r>
+              <a:rPr lang="zh-CN" altLang="en-US" sz="2000" dirty="0"/>
+              <a:t>的可视化</a:t>
+            </a:r>
+            <a:endParaRPr lang="en-US" altLang="zh-CN" sz="2000" dirty="0"/>
+          </a:p>
+        </p:txBody>
+      </p:sp>
+      <p:pic>
+        <p:nvPicPr>
+          <p:cNvPr id="4" name="图片 3">
+            <a:extLst>
+              <a:ext uri="{FF2B5EF4-FFF2-40B4-BE49-F238E27FC236}">
+                <a16:creationId xmlns:a16="http://schemas.microsoft.com/office/drawing/2014/main" id="{EE0F0578-9C6B-4D7A-8E08-83459B4536EF}"/>
+              </a:ext>
+            </a:extLst>
+          </p:cNvPr>
+          <p:cNvPicPr>
+            <a:picLocks noChangeAspect="1"/>
+          </p:cNvPicPr>
+          <p:nvPr/>
+        </p:nvPicPr>
+        <p:blipFill>
+          <a:blip r:embed="rId2"/>
+          <a:stretch>
+            <a:fillRect/>
+          </a:stretch>
+        </p:blipFill>
+        <p:spPr>
+          <a:xfrm>
+            <a:off x="922520" y="1249567"/>
+            <a:ext cx="10050279" cy="5495352"/>
+          </a:xfrm>
+          <a:prstGeom prst="rect">
+            <a:avLst/>
+          </a:prstGeom>
+        </p:spPr>
+      </p:pic>
+    </p:spTree>
+    <p:extLst>
+      <p:ext uri="{BB962C8B-B14F-4D97-AF65-F5344CB8AC3E}">
+        <p14:creationId xmlns:p14="http://schemas.microsoft.com/office/powerpoint/2010/main" val="1498245460"/>
+      </p:ext>
+    </p:extLst>
+  </p:cSld>
+  <p:clrMapOvr>
+    <a:masterClrMapping/>
+  </p:clrMapOvr>
+</p:sld>
+</file>
+
 <file path=ppt/slides/slide2.xml><?xml version="1.0" encoding="utf-8"?>
 <p:sld xmlns:a="http://schemas.openxmlformats.org/drawingml/2006/main" xmlns:r="http://schemas.openxmlformats.org/officeDocument/2006/relationships" xmlns:p="http://schemas.openxmlformats.org/presentationml/2006/main">
   <p:cSld>
@@ -8299,7 +10068,7 @@
         <p:spPr>
           <a:xfrm>
             <a:off x="6911263" y="1874086"/>
-            <a:ext cx="4657885" cy="590033"/>
+            <a:ext cx="4657885" cy="507127"/>
           </a:xfrm>
           <a:prstGeom prst="rect">
             <a:avLst/>
@@ -8321,18 +10090,18 @@
               </a:spcAft>
             </a:pPr>
             <a:r>
-              <a:rPr lang="zh-CN" altLang="en-US" sz="2400" dirty="0"/>
+              <a:rPr lang="zh-CN" altLang="en-US" sz="2000" dirty="0"/>
               <a:t>所有预测概率大于</a:t>
             </a:r>
             <a:r>
-              <a:rPr lang="en-US" altLang="zh-CN" sz="2400" dirty="0"/>
+              <a:rPr lang="en-US" altLang="zh-CN" sz="2000" dirty="0"/>
               <a:t>0.5</a:t>
             </a:r>
             <a:r>
-              <a:rPr lang="zh-CN" altLang="en-US" sz="2400" dirty="0"/>
+              <a:rPr lang="zh-CN" altLang="en-US" sz="2000" dirty="0"/>
               <a:t>的实体类型</a:t>
             </a:r>
-            <a:endParaRPr lang="en-US" altLang="zh-CN" sz="2400" dirty="0"/>
+            <a:endParaRPr lang="en-US" altLang="zh-CN" sz="2000" dirty="0"/>
           </a:p>
         </p:txBody>
       </p:sp>
@@ -9469,6 +11238,66 @@
           </a:p>
         </p:txBody>
       </p:sp>
+      <p:pic>
+        <p:nvPicPr>
+          <p:cNvPr id="2" name="图片 1">
+            <a:extLst>
+              <a:ext uri="{FF2B5EF4-FFF2-40B4-BE49-F238E27FC236}">
+                <a16:creationId xmlns:a16="http://schemas.microsoft.com/office/drawing/2014/main" id="{DD52248A-7605-4E5F-AE16-90A237534792}"/>
+              </a:ext>
+            </a:extLst>
+          </p:cNvPr>
+          <p:cNvPicPr>
+            <a:picLocks noChangeAspect="1"/>
+          </p:cNvPicPr>
+          <p:nvPr/>
+        </p:nvPicPr>
+        <p:blipFill>
+          <a:blip r:embed="rId2"/>
+          <a:stretch>
+            <a:fillRect/>
+          </a:stretch>
+        </p:blipFill>
+        <p:spPr>
+          <a:xfrm>
+            <a:off x="3731784" y="742254"/>
+            <a:ext cx="4728431" cy="2636554"/>
+          </a:xfrm>
+          <a:prstGeom prst="rect">
+            <a:avLst/>
+          </a:prstGeom>
+        </p:spPr>
+      </p:pic>
+      <p:pic>
+        <p:nvPicPr>
+          <p:cNvPr id="3" name="图片 2">
+            <a:extLst>
+              <a:ext uri="{FF2B5EF4-FFF2-40B4-BE49-F238E27FC236}">
+                <a16:creationId xmlns:a16="http://schemas.microsoft.com/office/drawing/2014/main" id="{828E0924-85B5-43F2-A17D-2C7318B9D2DB}"/>
+              </a:ext>
+            </a:extLst>
+          </p:cNvPr>
+          <p:cNvPicPr>
+            <a:picLocks noChangeAspect="1"/>
+          </p:cNvPicPr>
+          <p:nvPr/>
+        </p:nvPicPr>
+        <p:blipFill>
+          <a:blip r:embed="rId3"/>
+          <a:stretch>
+            <a:fillRect/>
+          </a:stretch>
+        </p:blipFill>
+        <p:spPr>
+          <a:xfrm>
+            <a:off x="681282" y="3479192"/>
+            <a:ext cx="10829436" cy="3292498"/>
+          </a:xfrm>
+          <a:prstGeom prst="rect">
+            <a:avLst/>
+          </a:prstGeom>
+        </p:spPr>
+      </p:pic>
     </p:spTree>
     <p:extLst>
       <p:ext uri="{BB962C8B-B14F-4D97-AF65-F5344CB8AC3E}">
@@ -9982,12 +11811,585 @@
           </a:p>
         </p:txBody>
       </p:sp>
+      <p:pic>
+        <p:nvPicPr>
+          <p:cNvPr id="2" name="图片 1">
+            <a:extLst>
+              <a:ext uri="{FF2B5EF4-FFF2-40B4-BE49-F238E27FC236}">
+                <a16:creationId xmlns:a16="http://schemas.microsoft.com/office/drawing/2014/main" id="{76CC8FB6-1D8D-4825-9879-526A4F1FD09D}"/>
+              </a:ext>
+            </a:extLst>
+          </p:cNvPr>
+          <p:cNvPicPr>
+            <a:picLocks noChangeAspect="1"/>
+          </p:cNvPicPr>
+          <p:nvPr/>
+        </p:nvPicPr>
+        <p:blipFill>
+          <a:blip r:embed="rId2"/>
+          <a:stretch>
+            <a:fillRect/>
+          </a:stretch>
+        </p:blipFill>
+        <p:spPr>
+          <a:xfrm>
+            <a:off x="509270" y="1642512"/>
+            <a:ext cx="10999300" cy="4082868"/>
+          </a:xfrm>
+          <a:prstGeom prst="rect">
+            <a:avLst/>
+          </a:prstGeom>
+        </p:spPr>
+      </p:pic>
+    </p:spTree>
+    <p:extLst>
+      <p:ext uri="{BB962C8B-B14F-4D97-AF65-F5344CB8AC3E}">
+        <p14:creationId xmlns:p14="http://schemas.microsoft.com/office/powerpoint/2010/main" val="1077368897"/>
+      </p:ext>
+    </p:extLst>
+  </p:cSld>
+  <p:clrMapOvr>
+    <a:masterClrMapping/>
+  </p:clrMapOvr>
+</p:sld>
+</file>
+
+<file path=ppt/slides/slide9.xml><?xml version="1.0" encoding="utf-8"?>
+<p:sld xmlns:a="http://schemas.openxmlformats.org/drawingml/2006/main" xmlns:r="http://schemas.openxmlformats.org/officeDocument/2006/relationships" xmlns:p="http://schemas.openxmlformats.org/presentationml/2006/main">
+  <p:cSld>
+    <p:spTree>
+      <p:nvGrpSpPr>
+        <p:cNvPr id="1" name=""/>
+        <p:cNvGrpSpPr/>
+        <p:nvPr/>
+      </p:nvGrpSpPr>
+      <p:grpSpPr>
+        <a:xfrm>
+          <a:off x="0" y="0"/>
+          <a:ext cx="0" cy="0"/>
+          <a:chOff x="0" y="0"/>
+          <a:chExt cx="0" cy="0"/>
+        </a:xfrm>
+      </p:grpSpPr>
       <p:sp>
         <p:nvSpPr>
-          <p:cNvPr id="8" name="文本框 7">
-            <a:extLst>
-              <a:ext uri="{FF2B5EF4-FFF2-40B4-BE49-F238E27FC236}">
-                <a16:creationId xmlns:a16="http://schemas.microsoft.com/office/drawing/2014/main" id="{3DE21610-20B8-4018-B748-8C4DDD35119F}"/>
+          <p:cNvPr id="5" name="矩形 5">
+            <a:extLst>
+              <a:ext uri="{FF2B5EF4-FFF2-40B4-BE49-F238E27FC236}">
+                <a16:creationId xmlns:a16="http://schemas.microsoft.com/office/drawing/2014/main" id="{850F23D1-2757-4497-976B-88014D030436}"/>
+              </a:ext>
+            </a:extLst>
+          </p:cNvPr>
+          <p:cNvSpPr/>
+          <p:nvPr/>
+        </p:nvSpPr>
+        <p:spPr>
+          <a:xfrm rot="10800000">
+            <a:off x="120650" y="94615"/>
+            <a:ext cx="288925" cy="709295"/>
+          </a:xfrm>
+          <a:prstGeom prst="rect">
+            <a:avLst/>
+          </a:prstGeom>
+          <a:solidFill>
+            <a:srgbClr val="005825"/>
+          </a:solidFill>
+          <a:ln w="12700">
+            <a:noFill/>
+          </a:ln>
+        </p:spPr>
+        <p:txBody>
+          <a:bodyPr anchor="ctr"/>
+          <a:lstStyle>
+            <a:lvl1pPr marL="171450" indent="-171450" algn="l" defTabSz="685800" rtl="0" eaLnBrk="0" fontAlgn="base" hangingPunct="0">
+              <a:lnSpc>
+                <a:spcPct val="90000"/>
+              </a:lnSpc>
+              <a:spcBef>
+                <a:spcPts val="750"/>
+              </a:spcBef>
+              <a:spcAft>
+                <a:spcPct val="0"/>
+              </a:spcAft>
+              <a:buFont typeface="Arial" panose="020B0604020202020204" pitchFamily="34" charset="0"/>
+              <a:buChar char="•"/>
+              <a:defRPr sz="2100">
+                <a:solidFill>
+                  <a:schemeClr val="tx1"/>
+                </a:solidFill>
+                <a:latin typeface="+mn-lt"/>
+                <a:ea typeface="+mn-ea"/>
+                <a:cs typeface="+mn-cs"/>
+                <a:sym typeface="Calibri" panose="020F0502020204030204" charset="0"/>
+              </a:defRPr>
+            </a:lvl1pPr>
+            <a:lvl2pPr marL="514350" indent="-171450" algn="l" defTabSz="685800" rtl="0" eaLnBrk="0" fontAlgn="base" hangingPunct="0">
+              <a:lnSpc>
+                <a:spcPct val="90000"/>
+              </a:lnSpc>
+              <a:spcBef>
+                <a:spcPts val="375"/>
+              </a:spcBef>
+              <a:spcAft>
+                <a:spcPct val="0"/>
+              </a:spcAft>
+              <a:buFont typeface="Arial" panose="020B0604020202020204" pitchFamily="34" charset="0"/>
+              <a:buChar char="•"/>
+              <a:defRPr sz="2800">
+                <a:solidFill>
+                  <a:schemeClr val="tx1"/>
+                </a:solidFill>
+                <a:latin typeface="+mn-lt"/>
+                <a:ea typeface="+mn-ea"/>
+                <a:sym typeface="Calibri" panose="020F0502020204030204" charset="0"/>
+              </a:defRPr>
+            </a:lvl2pPr>
+            <a:lvl3pPr marL="857250" indent="-171450" algn="l" defTabSz="685800" rtl="0" eaLnBrk="0" fontAlgn="base" hangingPunct="0">
+              <a:lnSpc>
+                <a:spcPct val="90000"/>
+              </a:lnSpc>
+              <a:spcBef>
+                <a:spcPts val="375"/>
+              </a:spcBef>
+              <a:spcAft>
+                <a:spcPct val="0"/>
+              </a:spcAft>
+              <a:buFont typeface="Arial" panose="020B0604020202020204" pitchFamily="34" charset="0"/>
+              <a:buChar char="•"/>
+              <a:defRPr sz="1500">
+                <a:solidFill>
+                  <a:schemeClr val="tx1"/>
+                </a:solidFill>
+                <a:latin typeface="+mn-lt"/>
+                <a:ea typeface="+mn-ea"/>
+                <a:sym typeface="Calibri" panose="020F0502020204030204" charset="0"/>
+              </a:defRPr>
+            </a:lvl3pPr>
+            <a:lvl4pPr marL="1200150" indent="-171450" algn="l" defTabSz="685800" rtl="0" eaLnBrk="0" fontAlgn="base" hangingPunct="0">
+              <a:lnSpc>
+                <a:spcPct val="90000"/>
+              </a:lnSpc>
+              <a:spcBef>
+                <a:spcPts val="375"/>
+              </a:spcBef>
+              <a:spcAft>
+                <a:spcPct val="0"/>
+              </a:spcAft>
+              <a:buFont typeface="Arial" panose="020B0604020202020204" pitchFamily="34" charset="0"/>
+              <a:buChar char="•"/>
+              <a:defRPr sz="1300">
+                <a:solidFill>
+                  <a:schemeClr val="tx1"/>
+                </a:solidFill>
+                <a:latin typeface="+mn-lt"/>
+                <a:ea typeface="+mn-ea"/>
+                <a:sym typeface="Calibri" panose="020F0502020204030204" charset="0"/>
+              </a:defRPr>
+            </a:lvl4pPr>
+            <a:lvl5pPr marL="1543050" indent="-171450" algn="l" defTabSz="685800" rtl="0" eaLnBrk="0" fontAlgn="base" hangingPunct="0">
+              <a:lnSpc>
+                <a:spcPct val="90000"/>
+              </a:lnSpc>
+              <a:spcBef>
+                <a:spcPts val="375"/>
+              </a:spcBef>
+              <a:spcAft>
+                <a:spcPct val="0"/>
+              </a:spcAft>
+              <a:buFont typeface="Arial" panose="020B0604020202020204" pitchFamily="34" charset="0"/>
+              <a:buChar char="•"/>
+              <a:defRPr sz="1300">
+                <a:solidFill>
+                  <a:schemeClr val="tx1"/>
+                </a:solidFill>
+                <a:latin typeface="+mn-lt"/>
+                <a:ea typeface="+mn-ea"/>
+                <a:sym typeface="Calibri" panose="020F0502020204030204" charset="0"/>
+              </a:defRPr>
+            </a:lvl5pPr>
+          </a:lstStyle>
+          <a:p>
+            <a:pPr marL="0" lvl="0" indent="0" algn="ctr" defTabSz="914400" eaLnBrk="1" hangingPunct="1">
+              <a:lnSpc>
+                <a:spcPct val="100000"/>
+              </a:lnSpc>
+              <a:spcBef>
+                <a:spcPct val="0"/>
+              </a:spcBef>
+              <a:buNone/>
+            </a:pPr>
+            <a:endParaRPr lang="zh-CN" altLang="zh-CN" sz="1800" dirty="0">
+              <a:solidFill>
+                <a:srgbClr val="FFFFFF"/>
+              </a:solidFill>
+              <a:latin typeface="仿宋" panose="02010609060101010101" pitchFamily="49" charset="-122"/>
+              <a:ea typeface="仿宋" panose="02010609060101010101" pitchFamily="49" charset="-122"/>
+            </a:endParaRPr>
+          </a:p>
+        </p:txBody>
+      </p:sp>
+      <p:sp>
+        <p:nvSpPr>
+          <p:cNvPr id="10" name="矩形 1">
+            <a:extLst>
+              <a:ext uri="{FF2B5EF4-FFF2-40B4-BE49-F238E27FC236}">
+                <a16:creationId xmlns:a16="http://schemas.microsoft.com/office/drawing/2014/main" id="{A059F2D0-83B6-40D9-8387-4F447FD4FA59}"/>
+              </a:ext>
+            </a:extLst>
+          </p:cNvPr>
+          <p:cNvSpPr/>
+          <p:nvPr/>
+        </p:nvSpPr>
+        <p:spPr>
+          <a:xfrm>
+            <a:off x="509270" y="157480"/>
+            <a:ext cx="1826141" cy="584775"/>
+          </a:xfrm>
+          <a:prstGeom prst="rect">
+            <a:avLst/>
+          </a:prstGeom>
+          <a:noFill/>
+          <a:ln w="9525">
+            <a:noFill/>
+          </a:ln>
+        </p:spPr>
+        <p:txBody>
+          <a:bodyPr wrap="none">
+            <a:spAutoFit/>
+          </a:bodyPr>
+          <a:lstStyle>
+            <a:lvl1pPr marL="171450" indent="-171450" algn="l" defTabSz="685800" rtl="0" eaLnBrk="0" fontAlgn="base" hangingPunct="0">
+              <a:lnSpc>
+                <a:spcPct val="90000"/>
+              </a:lnSpc>
+              <a:spcBef>
+                <a:spcPts val="750"/>
+              </a:spcBef>
+              <a:spcAft>
+                <a:spcPct val="0"/>
+              </a:spcAft>
+              <a:buFont typeface="Arial" panose="020B0604020202020204" pitchFamily="34" charset="0"/>
+              <a:buChar char="•"/>
+              <a:defRPr sz="2100">
+                <a:solidFill>
+                  <a:schemeClr val="tx1"/>
+                </a:solidFill>
+                <a:latin typeface="+mn-lt"/>
+                <a:ea typeface="+mn-ea"/>
+                <a:cs typeface="+mn-cs"/>
+                <a:sym typeface="Calibri" panose="020F0502020204030204" charset="0"/>
+              </a:defRPr>
+            </a:lvl1pPr>
+            <a:lvl2pPr marL="514350" indent="-171450" algn="l" defTabSz="685800" rtl="0" eaLnBrk="0" fontAlgn="base" hangingPunct="0">
+              <a:lnSpc>
+                <a:spcPct val="90000"/>
+              </a:lnSpc>
+              <a:spcBef>
+                <a:spcPts val="375"/>
+              </a:spcBef>
+              <a:spcAft>
+                <a:spcPct val="0"/>
+              </a:spcAft>
+              <a:buFont typeface="Arial" panose="020B0604020202020204" pitchFamily="34" charset="0"/>
+              <a:buChar char="•"/>
+              <a:defRPr sz="2800">
+                <a:solidFill>
+                  <a:schemeClr val="tx1"/>
+                </a:solidFill>
+                <a:latin typeface="+mn-lt"/>
+                <a:ea typeface="+mn-ea"/>
+                <a:sym typeface="Calibri" panose="020F0502020204030204" charset="0"/>
+              </a:defRPr>
+            </a:lvl2pPr>
+            <a:lvl3pPr marL="857250" indent="-171450" algn="l" defTabSz="685800" rtl="0" eaLnBrk="0" fontAlgn="base" hangingPunct="0">
+              <a:lnSpc>
+                <a:spcPct val="90000"/>
+              </a:lnSpc>
+              <a:spcBef>
+                <a:spcPts val="375"/>
+              </a:spcBef>
+              <a:spcAft>
+                <a:spcPct val="0"/>
+              </a:spcAft>
+              <a:buFont typeface="Arial" panose="020B0604020202020204" pitchFamily="34" charset="0"/>
+              <a:buChar char="•"/>
+              <a:defRPr sz="1500">
+                <a:solidFill>
+                  <a:schemeClr val="tx1"/>
+                </a:solidFill>
+                <a:latin typeface="+mn-lt"/>
+                <a:ea typeface="+mn-ea"/>
+                <a:sym typeface="Calibri" panose="020F0502020204030204" charset="0"/>
+              </a:defRPr>
+            </a:lvl3pPr>
+            <a:lvl4pPr marL="1200150" indent="-171450" algn="l" defTabSz="685800" rtl="0" eaLnBrk="0" fontAlgn="base" hangingPunct="0">
+              <a:lnSpc>
+                <a:spcPct val="90000"/>
+              </a:lnSpc>
+              <a:spcBef>
+                <a:spcPts val="375"/>
+              </a:spcBef>
+              <a:spcAft>
+                <a:spcPct val="0"/>
+              </a:spcAft>
+              <a:buFont typeface="Arial" panose="020B0604020202020204" pitchFamily="34" charset="0"/>
+              <a:buChar char="•"/>
+              <a:defRPr sz="1300">
+                <a:solidFill>
+                  <a:schemeClr val="tx1"/>
+                </a:solidFill>
+                <a:latin typeface="+mn-lt"/>
+                <a:ea typeface="+mn-ea"/>
+                <a:sym typeface="Calibri" panose="020F0502020204030204" charset="0"/>
+              </a:defRPr>
+            </a:lvl4pPr>
+            <a:lvl5pPr marL="1543050" indent="-171450" algn="l" defTabSz="685800" rtl="0" eaLnBrk="0" fontAlgn="base" hangingPunct="0">
+              <a:lnSpc>
+                <a:spcPct val="90000"/>
+              </a:lnSpc>
+              <a:spcBef>
+                <a:spcPts val="375"/>
+              </a:spcBef>
+              <a:spcAft>
+                <a:spcPct val="0"/>
+              </a:spcAft>
+              <a:buFont typeface="Arial" panose="020B0604020202020204" pitchFamily="34" charset="0"/>
+              <a:buChar char="•"/>
+              <a:defRPr sz="1300">
+                <a:solidFill>
+                  <a:schemeClr val="tx1"/>
+                </a:solidFill>
+                <a:latin typeface="+mn-lt"/>
+                <a:ea typeface="+mn-ea"/>
+                <a:sym typeface="Calibri" panose="020F0502020204030204" charset="0"/>
+              </a:defRPr>
+            </a:lvl5pPr>
+          </a:lstStyle>
+          <a:p>
+            <a:pPr marL="0" lvl="0" indent="0" defTabSz="914400" eaLnBrk="1" hangingPunct="1">
+              <a:lnSpc>
+                <a:spcPct val="100000"/>
+              </a:lnSpc>
+              <a:spcBef>
+                <a:spcPct val="0"/>
+              </a:spcBef>
+              <a:buNone/>
+            </a:pPr>
+            <a:r>
+              <a:rPr lang="zh-CN" altLang="en-US" sz="3200" dirty="0">
+                <a:solidFill>
+                  <a:schemeClr val="tx1"/>
+                </a:solidFill>
+                <a:latin typeface="华文楷体" panose="02010600040101010101" pitchFamily="2" charset="-122"/>
+                <a:ea typeface="华文楷体" panose="02010600040101010101" pitchFamily="2" charset="-122"/>
+                <a:sym typeface="宋体" panose="02010600030101010101" pitchFamily="2" charset="-122"/>
+              </a:rPr>
+              <a:t>实验结果</a:t>
+            </a:r>
+            <a:endParaRPr lang="en-US" altLang="zh-CN" sz="3200" dirty="0">
+              <a:solidFill>
+                <a:schemeClr val="tx1"/>
+              </a:solidFill>
+              <a:latin typeface="华文楷体" panose="02010600040101010101" pitchFamily="2" charset="-122"/>
+              <a:ea typeface="华文楷体" panose="02010600040101010101" pitchFamily="2" charset="-122"/>
+              <a:sym typeface="宋体" panose="02010600030101010101" pitchFamily="2" charset="-122"/>
+            </a:endParaRPr>
+          </a:p>
+        </p:txBody>
+      </p:sp>
+      <p:sp>
+        <p:nvSpPr>
+          <p:cNvPr id="15" name="灯片编号占位符 4">
+            <a:extLst>
+              <a:ext uri="{FF2B5EF4-FFF2-40B4-BE49-F238E27FC236}">
+                <a16:creationId xmlns:a16="http://schemas.microsoft.com/office/drawing/2014/main" id="{5FCB248D-9455-4BA1-B742-84535FE45C90}"/>
+              </a:ext>
+            </a:extLst>
+          </p:cNvPr>
+          <p:cNvSpPr txBox="1">
+            <a:spLocks/>
+          </p:cNvSpPr>
+          <p:nvPr/>
+        </p:nvSpPr>
+        <p:spPr>
+          <a:xfrm>
+            <a:off x="9448800" y="6491357"/>
+            <a:ext cx="2743200" cy="365125"/>
+          </a:xfrm>
+          <a:prstGeom prst="rect">
+            <a:avLst/>
+          </a:prstGeom>
+        </p:spPr>
+        <p:txBody>
+          <a:bodyPr anchor="ctr"/>
+          <a:lstStyle>
+            <a:defPPr>
+              <a:defRPr lang="zh-CN"/>
+            </a:defPPr>
+            <a:lvl1pPr marL="0" algn="l" defTabSz="914400" rtl="0" eaLnBrk="1" latinLnBrk="0" hangingPunct="1">
+              <a:defRPr sz="1800" kern="1200">
+                <a:solidFill>
+                  <a:schemeClr val="tx1"/>
+                </a:solidFill>
+                <a:latin typeface="+mn-lt"/>
+                <a:ea typeface="+mn-ea"/>
+                <a:cs typeface="+mn-cs"/>
+              </a:defRPr>
+            </a:lvl1pPr>
+            <a:lvl2pPr marL="457200" algn="l" defTabSz="914400" rtl="0" eaLnBrk="1" latinLnBrk="0" hangingPunct="1">
+              <a:defRPr sz="1800" kern="1200">
+                <a:solidFill>
+                  <a:schemeClr val="tx1"/>
+                </a:solidFill>
+                <a:latin typeface="+mn-lt"/>
+                <a:ea typeface="+mn-ea"/>
+                <a:cs typeface="+mn-cs"/>
+              </a:defRPr>
+            </a:lvl2pPr>
+            <a:lvl3pPr marL="914400" algn="l" defTabSz="914400" rtl="0" eaLnBrk="1" latinLnBrk="0" hangingPunct="1">
+              <a:defRPr sz="1800" kern="1200">
+                <a:solidFill>
+                  <a:schemeClr val="tx1"/>
+                </a:solidFill>
+                <a:latin typeface="+mn-lt"/>
+                <a:ea typeface="+mn-ea"/>
+                <a:cs typeface="+mn-cs"/>
+              </a:defRPr>
+            </a:lvl3pPr>
+            <a:lvl4pPr marL="1371600" algn="l" defTabSz="914400" rtl="0" eaLnBrk="1" latinLnBrk="0" hangingPunct="1">
+              <a:defRPr sz="1800" kern="1200">
+                <a:solidFill>
+                  <a:schemeClr val="tx1"/>
+                </a:solidFill>
+                <a:latin typeface="+mn-lt"/>
+                <a:ea typeface="+mn-ea"/>
+                <a:cs typeface="+mn-cs"/>
+              </a:defRPr>
+            </a:lvl4pPr>
+            <a:lvl5pPr marL="1828800" algn="l" defTabSz="914400" rtl="0" eaLnBrk="1" latinLnBrk="0" hangingPunct="1">
+              <a:defRPr sz="1800" kern="1200">
+                <a:solidFill>
+                  <a:schemeClr val="tx1"/>
+                </a:solidFill>
+                <a:latin typeface="+mn-lt"/>
+                <a:ea typeface="+mn-ea"/>
+                <a:cs typeface="+mn-cs"/>
+              </a:defRPr>
+            </a:lvl5pPr>
+            <a:lvl6pPr marL="2286000" algn="l" defTabSz="914400" rtl="0" eaLnBrk="1" latinLnBrk="0" hangingPunct="1">
+              <a:defRPr sz="1800" kern="1200">
+                <a:solidFill>
+                  <a:schemeClr val="tx1"/>
+                </a:solidFill>
+                <a:latin typeface="+mn-lt"/>
+                <a:ea typeface="+mn-ea"/>
+                <a:cs typeface="+mn-cs"/>
+              </a:defRPr>
+            </a:lvl6pPr>
+            <a:lvl7pPr marL="2743200" algn="l" defTabSz="914400" rtl="0" eaLnBrk="1" latinLnBrk="0" hangingPunct="1">
+              <a:defRPr sz="1800" kern="1200">
+                <a:solidFill>
+                  <a:schemeClr val="tx1"/>
+                </a:solidFill>
+                <a:latin typeface="+mn-lt"/>
+                <a:ea typeface="+mn-ea"/>
+                <a:cs typeface="+mn-cs"/>
+              </a:defRPr>
+            </a:lvl7pPr>
+            <a:lvl8pPr marL="3200400" algn="l" defTabSz="914400" rtl="0" eaLnBrk="1" latinLnBrk="0" hangingPunct="1">
+              <a:defRPr sz="1800" kern="1200">
+                <a:solidFill>
+                  <a:schemeClr val="tx1"/>
+                </a:solidFill>
+                <a:latin typeface="+mn-lt"/>
+                <a:ea typeface="+mn-ea"/>
+                <a:cs typeface="+mn-cs"/>
+              </a:defRPr>
+            </a:lvl8pPr>
+            <a:lvl9pPr marL="3657600" algn="l" defTabSz="914400" rtl="0" eaLnBrk="1" latinLnBrk="0" hangingPunct="1">
+              <a:defRPr sz="1800" kern="1200">
+                <a:solidFill>
+                  <a:schemeClr val="tx1"/>
+                </a:solidFill>
+                <a:latin typeface="+mn-lt"/>
+                <a:ea typeface="+mn-ea"/>
+                <a:cs typeface="+mn-cs"/>
+              </a:defRPr>
+            </a:lvl9pPr>
+          </a:lstStyle>
+          <a:p>
+            <a:pPr algn="r">
+              <a:spcBef>
+                <a:spcPct val="0"/>
+              </a:spcBef>
+              <a:buFont typeface="Arial" panose="020B0604020202020204" pitchFamily="34" charset="0"/>
+              <a:buNone/>
+            </a:pPr>
+            <a:fld id="{9A0DB2DC-4C9A-4742-B13C-FB6460FD3503}" type="slidenum">
+              <a:rPr lang="zh-CN" altLang="en-US" sz="1200" smtClean="0">
+                <a:solidFill>
+                  <a:srgbClr val="898989"/>
+                </a:solidFill>
+                <a:latin typeface="Arial Black" panose="020B0A04020102020204" charset="0"/>
+                <a:cs typeface="Arial Black" panose="020B0A04020102020204" charset="0"/>
+                <a:sym typeface="Calibri" panose="020F0502020204030204" charset="0"/>
+              </a:rPr>
+              <a:pPr algn="r">
+                <a:spcBef>
+                  <a:spcPct val="0"/>
+                </a:spcBef>
+                <a:buFont typeface="Arial" panose="020B0604020202020204" pitchFamily="34" charset="0"/>
+                <a:buNone/>
+              </a:pPr>
+              <a:t>9</a:t>
+            </a:fld>
+            <a:endParaRPr lang="zh-CN" altLang="en-US" sz="1200" dirty="0">
+              <a:solidFill>
+                <a:srgbClr val="898989"/>
+              </a:solidFill>
+              <a:latin typeface="Arial Black" panose="020B0A04020102020204" charset="0"/>
+              <a:cs typeface="Arial Black" panose="020B0A04020102020204" charset="0"/>
+              <a:sym typeface="Calibri" panose="020F0502020204030204" charset="0"/>
+            </a:endParaRPr>
+          </a:p>
+        </p:txBody>
+      </p:sp>
+      <p:pic>
+        <p:nvPicPr>
+          <p:cNvPr id="4" name="图片 3">
+            <a:extLst>
+              <a:ext uri="{FF2B5EF4-FFF2-40B4-BE49-F238E27FC236}">
+                <a16:creationId xmlns:a16="http://schemas.microsoft.com/office/drawing/2014/main" id="{21A4CB9D-61ED-4370-BE84-9DD0F2F20105}"/>
+              </a:ext>
+            </a:extLst>
+          </p:cNvPr>
+          <p:cNvPicPr>
+            <a:picLocks noChangeAspect="1"/>
+          </p:cNvPicPr>
+          <p:nvPr/>
+        </p:nvPicPr>
+        <p:blipFill>
+          <a:blip r:embed="rId2"/>
+          <a:stretch>
+            <a:fillRect/>
+          </a:stretch>
+        </p:blipFill>
+        <p:spPr>
+          <a:xfrm>
+            <a:off x="3209925" y="1655152"/>
+            <a:ext cx="5772150" cy="4438650"/>
+          </a:xfrm>
+          <a:prstGeom prst="rect">
+            <a:avLst/>
+          </a:prstGeom>
+        </p:spPr>
+      </p:pic>
+      <p:sp>
+        <p:nvSpPr>
+          <p:cNvPr id="9" name="文本框 8">
+            <a:extLst>
+              <a:ext uri="{FF2B5EF4-FFF2-40B4-BE49-F238E27FC236}">
+                <a16:creationId xmlns:a16="http://schemas.microsoft.com/office/drawing/2014/main" id="{259C1485-0639-4AFC-9D44-2B3F847682DE}"/>
               </a:ext>
             </a:extLst>
           </p:cNvPr>
@@ -9996,8 +12398,8 @@
         </p:nvSpPr>
         <p:spPr>
           <a:xfrm>
-            <a:off x="769815" y="1034396"/>
-            <a:ext cx="6096000" cy="507127"/>
+            <a:off x="653587" y="1063053"/>
+            <a:ext cx="4657885" cy="507127"/>
           </a:xfrm>
           <a:prstGeom prst="rect">
             <a:avLst/>
@@ -10020,7 +12422,7 @@
             </a:pPr>
             <a:r>
               <a:rPr lang="zh-CN" altLang="en-US" sz="2000" dirty="0"/>
-              <a:t>模型效率</a:t>
+              <a:t>模型在不同类别上的稳定性</a:t>
             </a:r>
             <a:endParaRPr lang="en-US" altLang="zh-CN" sz="2000" dirty="0"/>
           </a:p>
@@ -10029,7 +12431,7 @@
     </p:spTree>
     <p:extLst>
       <p:ext uri="{BB962C8B-B14F-4D97-AF65-F5344CB8AC3E}">
-        <p14:creationId xmlns:p14="http://schemas.microsoft.com/office/powerpoint/2010/main" val="1077368897"/>
+        <p14:creationId xmlns:p14="http://schemas.microsoft.com/office/powerpoint/2010/main" val="3609116965"/>
       </p:ext>
     </p:extLst>
   </p:cSld>
